--- a/day1/workshop_intro.pptx
+++ b/day1/workshop_intro.pptx
@@ -5,7 +5,7 @@
     <p:sldMasterId id="2147483648" r:id="rId1"/>
   </p:sldMasterIdLst>
   <p:notesMasterIdLst>
-    <p:notesMasterId r:id="rId19"/>
+    <p:notesMasterId r:id="rId20"/>
   </p:notesMasterIdLst>
   <p:sldIdLst>
     <p:sldId id="256" r:id="rId2"/>
@@ -21,10 +21,11 @@
     <p:sldId id="545" r:id="rId12"/>
     <p:sldId id="551" r:id="rId13"/>
     <p:sldId id="552" r:id="rId14"/>
-    <p:sldId id="547" r:id="rId15"/>
-    <p:sldId id="549" r:id="rId16"/>
-    <p:sldId id="548" r:id="rId17"/>
-    <p:sldId id="550" r:id="rId18"/>
+    <p:sldId id="553" r:id="rId15"/>
+    <p:sldId id="547" r:id="rId16"/>
+    <p:sldId id="549" r:id="rId17"/>
+    <p:sldId id="548" r:id="rId18"/>
+    <p:sldId id="550" r:id="rId19"/>
   </p:sldIdLst>
   <p:sldSz cx="24384000" cy="13716000"/>
   <p:notesSz cx="6858000" cy="9144000"/>
@@ -3751,7 +3752,7 @@
           </a:ln>
           <a:extLst>
             <a:ext uri="{C572A759-6A51-4108-AA02-DFA0A04FC94B}">
-              <ma14:wrappingTextBoxFlag xmlns:ma14="http://schemas.microsoft.com/office/mac/drawingml/2011/main" xmlns:a14="http://schemas.microsoft.com/office/drawing/2010/main" xmlns:m="http://schemas.openxmlformats.org/officeDocument/2006/math" xmlns="" val="1"/>
+              <ma14:wrappingTextBoxFlag xmlns="" xmlns:m="http://schemas.openxmlformats.org/officeDocument/2006/math" xmlns:a14="http://schemas.microsoft.com/office/drawing/2010/main" xmlns:ma14="http://schemas.microsoft.com/office/mac/drawingml/2011/main" val="1"/>
             </a:ext>
           </a:extLst>
         </p:spPr>
@@ -3790,7 +3791,7 @@
           </a:ln>
           <a:extLst>
             <a:ext uri="{C572A759-6A51-4108-AA02-DFA0A04FC94B}">
-              <ma14:wrappingTextBoxFlag xmlns:ma14="http://schemas.microsoft.com/office/mac/drawingml/2011/main" xmlns:a14="http://schemas.microsoft.com/office/drawing/2010/main" xmlns:m="http://schemas.openxmlformats.org/officeDocument/2006/math" xmlns="" val="1"/>
+              <ma14:wrappingTextBoxFlag xmlns="" xmlns:m="http://schemas.openxmlformats.org/officeDocument/2006/math" xmlns:a14="http://schemas.microsoft.com/office/drawing/2010/main" xmlns:ma14="http://schemas.microsoft.com/office/mac/drawingml/2011/main" val="1"/>
             </a:ext>
           </a:extLst>
         </p:spPr>
@@ -4737,7 +4738,7 @@
           </a:prstGeom>
           <a:extLst>
             <a:ext uri="{C572A759-6A51-4108-AA02-DFA0A04FC94B}">
-              <ma14:wrappingTextBoxFlag xmlns:ma14="http://schemas.microsoft.com/office/mac/drawingml/2011/main" xmlns:a14="http://schemas.microsoft.com/office/drawing/2010/main" xmlns:m="http://schemas.openxmlformats.org/officeDocument/2006/math" xmlns="" val="1"/>
+              <ma14:wrappingTextBoxFlag xmlns="" xmlns:m="http://schemas.openxmlformats.org/officeDocument/2006/math" xmlns:a14="http://schemas.microsoft.com/office/drawing/2010/main" xmlns:ma14="http://schemas.microsoft.com/office/mac/drawingml/2011/main" val="1"/>
             </a:ext>
           </a:extLst>
         </p:spPr>
@@ -4866,7 +4867,7 @@
           </a:prstGeom>
           <a:extLst>
             <a:ext uri="{C572A759-6A51-4108-AA02-DFA0A04FC94B}">
-              <ma14:wrappingTextBoxFlag xmlns:ma14="http://schemas.microsoft.com/office/mac/drawingml/2011/main" xmlns:a14="http://schemas.microsoft.com/office/drawing/2010/main" xmlns:m="http://schemas.openxmlformats.org/officeDocument/2006/math" xmlns="" val="1"/>
+              <ma14:wrappingTextBoxFlag xmlns="" xmlns:m="http://schemas.openxmlformats.org/officeDocument/2006/math" xmlns:a14="http://schemas.microsoft.com/office/drawing/2010/main" xmlns:ma14="http://schemas.microsoft.com/office/mac/drawingml/2011/main" val="1"/>
             </a:ext>
           </a:extLst>
         </p:spPr>
@@ -5664,7 +5665,7 @@
           </a:ln>
           <a:extLst>
             <a:ext uri="{C572A759-6A51-4108-AA02-DFA0A04FC94B}">
-              <ma14:wrappingTextBoxFlag xmlns:ma14="http://schemas.microsoft.com/office/mac/drawingml/2011/main" xmlns:a14="http://schemas.microsoft.com/office/drawing/2010/main" xmlns:m="http://schemas.openxmlformats.org/officeDocument/2006/math" xmlns="" val="1"/>
+              <ma14:wrappingTextBoxFlag xmlns="" xmlns:m="http://schemas.openxmlformats.org/officeDocument/2006/math" xmlns:a14="http://schemas.microsoft.com/office/drawing/2010/main" xmlns:ma14="http://schemas.microsoft.com/office/mac/drawingml/2011/main" val="1"/>
             </a:ext>
           </a:extLst>
         </p:spPr>
@@ -6382,8 +6383,8 @@
         </p:nvSpPr>
         <p:spPr>
           <a:xfrm>
-            <a:off x="1206499" y="4248503"/>
-            <a:ext cx="21970999" cy="8256014"/>
+            <a:off x="1206500" y="4248503"/>
+            <a:ext cx="10985500" cy="8256014"/>
           </a:xfrm>
         </p:spPr>
         <p:txBody>
@@ -6392,83 +6393,11 @@
           <a:p>
             <a:r>
               <a:rPr lang="en-US" dirty="0"/>
-              <a:t>“</a:t>
-            </a:r>
-            <a:r>
-              <a:rPr lang="en-US" i="1" dirty="0" err="1"/>
-              <a:t>Miniconda</a:t>
-            </a:r>
-            <a:r>
-              <a:rPr lang="en-US" i="1" dirty="0"/>
-              <a:t> is a free minimal installer for </a:t>
-            </a:r>
-            <a:r>
-              <a:rPr lang="en-US" i="1" dirty="0" err="1"/>
-              <a:t>conda</a:t>
-            </a:r>
-            <a:r>
-              <a:rPr lang="en-US" i="1" dirty="0"/>
-              <a:t>. It is a small bootstrap version of Anaconda that includes only </a:t>
-            </a:r>
-            <a:r>
-              <a:rPr lang="en-US" i="1" dirty="0" err="1"/>
-              <a:t>conda</a:t>
-            </a:r>
-            <a:r>
-              <a:rPr lang="en-US" i="1" dirty="0"/>
-              <a:t>, Python, the packages they both depend on, and a small number of other useful packages (like pip, </a:t>
-            </a:r>
-            <a:r>
-              <a:rPr lang="en-US" i="1" dirty="0" err="1"/>
-              <a:t>zlib</a:t>
-            </a:r>
-            <a:r>
-              <a:rPr lang="en-US" i="1" dirty="0"/>
-              <a:t>, and a few others).</a:t>
-            </a:r>
-            <a:r>
-              <a:rPr lang="en-US" dirty="0"/>
-              <a:t>” from </a:t>
-            </a:r>
-            <a:r>
-              <a:rPr lang="en-US" dirty="0">
-                <a:hlinkClick r:id="rId2"/>
-              </a:rPr>
-              <a:t>https://docs.anaconda.com/free/miniconda/index.html</a:t>
-            </a:r>
-            <a:endParaRPr lang="en-US" dirty="0"/>
-          </a:p>
-          <a:p>
-            <a:endParaRPr lang="en-US" dirty="0"/>
-          </a:p>
-          <a:p>
-            <a:r>
-              <a:rPr lang="en-US" dirty="0"/>
-              <a:t>Download the installer from “https://</a:t>
-            </a:r>
-            <a:r>
-              <a:rPr lang="en-US" dirty="0" err="1"/>
-              <a:t>docs.anaconda.com</a:t>
-            </a:r>
-            <a:r>
-              <a:rPr lang="en-US" dirty="0"/>
-              <a:t>/free/</a:t>
-            </a:r>
-            <a:r>
-              <a:rPr lang="en-US" dirty="0" err="1"/>
-              <a:t>miniconda</a:t>
-            </a:r>
-            <a:r>
-              <a:rPr lang="en-US" dirty="0"/>
-              <a:t>/</a:t>
-            </a:r>
-            <a:r>
-              <a:rPr lang="en-US" dirty="0" err="1"/>
-              <a:t>miniconda</a:t>
-            </a:r>
-            <a:r>
-              <a:rPr lang="en-US" dirty="0"/>
-              <a:t>-install/”</a:t>
+              <a:t>O</a:t>
+            </a:r>
+            <a:r>
+              <a:rPr lang="en-TW" dirty="0"/>
+              <a:t>pen “Terminal” app</a:t>
             </a:r>
           </a:p>
         </p:txBody>
@@ -6738,7 +6667,10 @@
             <a:pPr marL="0" indent="0" hangingPunct="1">
               <a:buNone/>
             </a:pPr>
-            <a:endParaRPr lang="en-US" dirty="0"/>
+            <a:r>
+              <a:rPr lang="en-US" dirty="0"/>
+              <a:t>Mac user</a:t>
+            </a:r>
           </a:p>
         </p:txBody>
       </p:sp>
@@ -7007,7 +6939,1702 @@
             <a:pPr marL="0" indent="0" hangingPunct="1">
               <a:buNone/>
             </a:pPr>
+            <a:r>
+              <a:rPr lang="en-US" dirty="0"/>
+              <a:t>PC user</a:t>
+            </a:r>
+          </a:p>
+        </p:txBody>
+      </p:sp>
+      <p:sp>
+        <p:nvSpPr>
+          <p:cNvPr id="10" name="Text Placeholder 6">
+            <a:extLst>
+              <a:ext uri="{FF2B5EF4-FFF2-40B4-BE49-F238E27FC236}">
+                <a16:creationId xmlns:a16="http://schemas.microsoft.com/office/drawing/2014/main" id="{D9B28EA0-6061-0A4A-BF1C-61A033A217EE}"/>
+              </a:ext>
+            </a:extLst>
+          </p:cNvPr>
+          <p:cNvSpPr txBox="1">
+            <a:spLocks/>
+          </p:cNvSpPr>
+          <p:nvPr/>
+        </p:nvSpPr>
+        <p:spPr>
+          <a:xfrm>
+            <a:off x="12192000" y="4248503"/>
+            <a:ext cx="10985500" cy="8256014"/>
+          </a:xfrm>
+          <a:prstGeom prst="rect">
+            <a:avLst/>
+          </a:prstGeom>
+          <a:ln w="12700">
+            <a:miter lim="400000"/>
+          </a:ln>
+          <a:extLst>
+            <a:ext uri="{C572A759-6A51-4108-AA02-DFA0A04FC94B}">
+              <ma14:wrappingTextBoxFlag xmlns="" xmlns:m="http://schemas.openxmlformats.org/officeDocument/2006/math" xmlns:a14="http://schemas.microsoft.com/office/drawing/2010/main" xmlns:ma14="http://schemas.microsoft.com/office/mac/drawingml/2011/main" val="1"/>
+            </a:ext>
+          </a:extLst>
+        </p:spPr>
+        <p:txBody>
+          <a:bodyPr lIns="50800" tIns="50800" rIns="50800" bIns="50800">
+            <a:normAutofit/>
+          </a:bodyPr>
+          <a:lstStyle>
+            <a:lvl1pPr marL="609600" marR="0" indent="-609600" algn="l" defTabSz="2438337" latinLnBrk="0">
+              <a:lnSpc>
+                <a:spcPct val="90000"/>
+              </a:lnSpc>
+              <a:spcBef>
+                <a:spcPts val="4500"/>
+              </a:spcBef>
+              <a:spcAft>
+                <a:spcPts val="0"/>
+              </a:spcAft>
+              <a:buClrTx/>
+              <a:buSzPct val="123000"/>
+              <a:buFontTx/>
+              <a:buChar char="•"/>
+              <a:tabLst/>
+              <a:defRPr sz="4800" b="0" i="0" u="none" strike="noStrike" cap="none" spc="0" baseline="0">
+                <a:solidFill>
+                  <a:srgbClr val="000000"/>
+                </a:solidFill>
+                <a:uFillTx/>
+                <a:latin typeface="+mj-lt"/>
+                <a:ea typeface="+mj-ea"/>
+                <a:cs typeface="+mj-cs"/>
+                <a:sym typeface="Helvetica Neue"/>
+              </a:defRPr>
+            </a:lvl1pPr>
+            <a:lvl2pPr marL="1219200" marR="0" indent="-609600" algn="l" defTabSz="2438337" latinLnBrk="0">
+              <a:lnSpc>
+                <a:spcPct val="90000"/>
+              </a:lnSpc>
+              <a:spcBef>
+                <a:spcPts val="4500"/>
+              </a:spcBef>
+              <a:spcAft>
+                <a:spcPts val="0"/>
+              </a:spcAft>
+              <a:buClrTx/>
+              <a:buSzPct val="123000"/>
+              <a:buFontTx/>
+              <a:buChar char="•"/>
+              <a:tabLst/>
+              <a:defRPr sz="4800" b="0" i="0" u="none" strike="noStrike" cap="none" spc="0" baseline="0">
+                <a:solidFill>
+                  <a:srgbClr val="000000"/>
+                </a:solidFill>
+                <a:uFillTx/>
+                <a:latin typeface="+mj-lt"/>
+                <a:ea typeface="+mj-ea"/>
+                <a:cs typeface="+mj-cs"/>
+                <a:sym typeface="Helvetica Neue"/>
+              </a:defRPr>
+            </a:lvl2pPr>
+            <a:lvl3pPr marL="1828800" marR="0" indent="-609600" algn="l" defTabSz="2438337" latinLnBrk="0">
+              <a:lnSpc>
+                <a:spcPct val="90000"/>
+              </a:lnSpc>
+              <a:spcBef>
+                <a:spcPts val="4500"/>
+              </a:spcBef>
+              <a:spcAft>
+                <a:spcPts val="0"/>
+              </a:spcAft>
+              <a:buClrTx/>
+              <a:buSzPct val="123000"/>
+              <a:buFontTx/>
+              <a:buChar char="•"/>
+              <a:tabLst/>
+              <a:defRPr sz="4800" b="0" i="0" u="none" strike="noStrike" cap="none" spc="0" baseline="0">
+                <a:solidFill>
+                  <a:srgbClr val="000000"/>
+                </a:solidFill>
+                <a:uFillTx/>
+                <a:latin typeface="+mj-lt"/>
+                <a:ea typeface="+mj-ea"/>
+                <a:cs typeface="+mj-cs"/>
+                <a:sym typeface="Helvetica Neue"/>
+              </a:defRPr>
+            </a:lvl3pPr>
+            <a:lvl4pPr marL="2438400" marR="0" indent="-609600" algn="l" defTabSz="2438337" latinLnBrk="0">
+              <a:lnSpc>
+                <a:spcPct val="90000"/>
+              </a:lnSpc>
+              <a:spcBef>
+                <a:spcPts val="4500"/>
+              </a:spcBef>
+              <a:spcAft>
+                <a:spcPts val="0"/>
+              </a:spcAft>
+              <a:buClrTx/>
+              <a:buSzPct val="123000"/>
+              <a:buFontTx/>
+              <a:buChar char="•"/>
+              <a:tabLst/>
+              <a:defRPr sz="4800" b="0" i="0" u="none" strike="noStrike" cap="none" spc="0" baseline="0">
+                <a:solidFill>
+                  <a:srgbClr val="000000"/>
+                </a:solidFill>
+                <a:uFillTx/>
+                <a:latin typeface="+mj-lt"/>
+                <a:ea typeface="+mj-ea"/>
+                <a:cs typeface="+mj-cs"/>
+                <a:sym typeface="Helvetica Neue"/>
+              </a:defRPr>
+            </a:lvl4pPr>
+            <a:lvl5pPr marL="3048000" marR="0" indent="-609600" algn="l" defTabSz="2438337" latinLnBrk="0">
+              <a:lnSpc>
+                <a:spcPct val="90000"/>
+              </a:lnSpc>
+              <a:spcBef>
+                <a:spcPts val="4500"/>
+              </a:spcBef>
+              <a:spcAft>
+                <a:spcPts val="0"/>
+              </a:spcAft>
+              <a:buClrTx/>
+              <a:buSzPct val="123000"/>
+              <a:buFontTx/>
+              <a:buChar char="•"/>
+              <a:tabLst/>
+              <a:defRPr sz="4800" b="0" i="0" u="none" strike="noStrike" cap="none" spc="0" baseline="0">
+                <a:solidFill>
+                  <a:srgbClr val="000000"/>
+                </a:solidFill>
+                <a:uFillTx/>
+                <a:latin typeface="+mj-lt"/>
+                <a:ea typeface="+mj-ea"/>
+                <a:cs typeface="+mj-cs"/>
+                <a:sym typeface="Helvetica Neue"/>
+              </a:defRPr>
+            </a:lvl5pPr>
+            <a:lvl6pPr marL="3657600" marR="0" indent="-609600" algn="l" defTabSz="2438337" latinLnBrk="0">
+              <a:lnSpc>
+                <a:spcPct val="90000"/>
+              </a:lnSpc>
+              <a:spcBef>
+                <a:spcPts val="4500"/>
+              </a:spcBef>
+              <a:spcAft>
+                <a:spcPts val="0"/>
+              </a:spcAft>
+              <a:buClrTx/>
+              <a:buSzPct val="123000"/>
+              <a:buFontTx/>
+              <a:buChar char="•"/>
+              <a:tabLst/>
+              <a:defRPr sz="4800" b="0" i="0" u="none" strike="noStrike" cap="none" spc="0" baseline="0">
+                <a:solidFill>
+                  <a:srgbClr val="000000"/>
+                </a:solidFill>
+                <a:uFillTx/>
+                <a:latin typeface="+mj-lt"/>
+                <a:ea typeface="+mj-ea"/>
+                <a:cs typeface="+mj-cs"/>
+                <a:sym typeface="Helvetica Neue"/>
+              </a:defRPr>
+            </a:lvl6pPr>
+            <a:lvl7pPr marL="4267200" marR="0" indent="-609600" algn="l" defTabSz="2438337" latinLnBrk="0">
+              <a:lnSpc>
+                <a:spcPct val="90000"/>
+              </a:lnSpc>
+              <a:spcBef>
+                <a:spcPts val="4500"/>
+              </a:spcBef>
+              <a:spcAft>
+                <a:spcPts val="0"/>
+              </a:spcAft>
+              <a:buClrTx/>
+              <a:buSzPct val="123000"/>
+              <a:buFontTx/>
+              <a:buChar char="•"/>
+              <a:tabLst/>
+              <a:defRPr sz="4800" b="0" i="0" u="none" strike="noStrike" cap="none" spc="0" baseline="0">
+                <a:solidFill>
+                  <a:srgbClr val="000000"/>
+                </a:solidFill>
+                <a:uFillTx/>
+                <a:latin typeface="+mj-lt"/>
+                <a:ea typeface="+mj-ea"/>
+                <a:cs typeface="+mj-cs"/>
+                <a:sym typeface="Helvetica Neue"/>
+              </a:defRPr>
+            </a:lvl7pPr>
+            <a:lvl8pPr marL="4876800" marR="0" indent="-609600" algn="l" defTabSz="2438337" latinLnBrk="0">
+              <a:lnSpc>
+                <a:spcPct val="90000"/>
+              </a:lnSpc>
+              <a:spcBef>
+                <a:spcPts val="4500"/>
+              </a:spcBef>
+              <a:spcAft>
+                <a:spcPts val="0"/>
+              </a:spcAft>
+              <a:buClrTx/>
+              <a:buSzPct val="123000"/>
+              <a:buFontTx/>
+              <a:buChar char="•"/>
+              <a:tabLst/>
+              <a:defRPr sz="4800" b="0" i="0" u="none" strike="noStrike" cap="none" spc="0" baseline="0">
+                <a:solidFill>
+                  <a:srgbClr val="000000"/>
+                </a:solidFill>
+                <a:uFillTx/>
+                <a:latin typeface="+mj-lt"/>
+                <a:ea typeface="+mj-ea"/>
+                <a:cs typeface="+mj-cs"/>
+                <a:sym typeface="Helvetica Neue"/>
+              </a:defRPr>
+            </a:lvl8pPr>
+            <a:lvl9pPr marL="5486400" marR="0" indent="-609600" algn="l" defTabSz="2438337" latinLnBrk="0">
+              <a:lnSpc>
+                <a:spcPct val="90000"/>
+              </a:lnSpc>
+              <a:spcBef>
+                <a:spcPts val="4500"/>
+              </a:spcBef>
+              <a:spcAft>
+                <a:spcPts val="0"/>
+              </a:spcAft>
+              <a:buClrTx/>
+              <a:buSzPct val="123000"/>
+              <a:buFontTx/>
+              <a:buChar char="•"/>
+              <a:tabLst/>
+              <a:defRPr sz="4800" b="0" i="0" u="none" strike="noStrike" cap="none" spc="0" baseline="0">
+                <a:solidFill>
+                  <a:srgbClr val="000000"/>
+                </a:solidFill>
+                <a:uFillTx/>
+                <a:latin typeface="+mj-lt"/>
+                <a:ea typeface="+mj-ea"/>
+                <a:cs typeface="+mj-cs"/>
+                <a:sym typeface="Helvetica Neue"/>
+              </a:defRPr>
+            </a:lvl9pPr>
+          </a:lstStyle>
+          <a:p>
+            <a:pPr hangingPunct="1"/>
+            <a:r>
+              <a:rPr lang="en-TW" dirty="0"/>
+              <a:t>Install </a:t>
+            </a:r>
+            <a:r>
+              <a:rPr lang="en-US" dirty="0"/>
+              <a:t>Linux on Windows with WSL</a:t>
+            </a:r>
+            <a:endParaRPr lang="en-TW" dirty="0"/>
+          </a:p>
+          <a:p>
+            <a:pPr hangingPunct="1"/>
+            <a:r>
+              <a:rPr lang="en-US" dirty="0">
+                <a:hlinkClick r:id="rId2"/>
+              </a:rPr>
+              <a:t>https://learn.microsoft.com/en-us/windows/wsl/install#install-wsl-command</a:t>
+            </a:r>
             <a:endParaRPr lang="en-US" dirty="0"/>
+          </a:p>
+          <a:p>
+            <a:pPr hangingPunct="1"/>
+            <a:r>
+              <a:rPr lang="en-US" dirty="0"/>
+              <a:t>Open </a:t>
+            </a:r>
+            <a:r>
+              <a:rPr lang="en-US" dirty="0" err="1"/>
+              <a:t>PowerShell.exe</a:t>
+            </a:r>
+            <a:r>
+              <a:rPr lang="en-US" dirty="0"/>
+              <a:t> and type …</a:t>
+            </a:r>
+            <a:endParaRPr lang="en-TW" dirty="0"/>
+          </a:p>
+        </p:txBody>
+      </p:sp>
+      <p:pic>
+        <p:nvPicPr>
+          <p:cNvPr id="3" name="Picture 2" descr="A screenshot of a computer program&#10;&#10;Description automatically generated">
+            <a:extLst>
+              <a:ext uri="{FF2B5EF4-FFF2-40B4-BE49-F238E27FC236}">
+                <a16:creationId xmlns:a16="http://schemas.microsoft.com/office/drawing/2014/main" id="{0B5EB1A8-5746-4244-B10D-5052EC44976D}"/>
+              </a:ext>
+            </a:extLst>
+          </p:cNvPr>
+          <p:cNvPicPr>
+            <a:picLocks noChangeAspect="1"/>
+          </p:cNvPicPr>
+          <p:nvPr/>
+        </p:nvPicPr>
+        <p:blipFill>
+          <a:blip r:embed="rId3">
+            <a:extLst>
+              <a:ext uri="{28A0092B-C50C-407E-A947-70E740481C1C}">
+                <a14:useLocalDpi xmlns:a14="http://schemas.microsoft.com/office/drawing/2010/main" val="0"/>
+              </a:ext>
+            </a:extLst>
+          </a:blip>
+          <a:stretch>
+            <a:fillRect/>
+          </a:stretch>
+        </p:blipFill>
+        <p:spPr>
+          <a:xfrm>
+            <a:off x="12192000" y="8862516"/>
+            <a:ext cx="10557571" cy="4709762"/>
+          </a:xfrm>
+          <a:prstGeom prst="rect">
+            <a:avLst/>
+          </a:prstGeom>
+        </p:spPr>
+      </p:pic>
+    </p:spTree>
+    <p:extLst>
+      <p:ext uri="{BB962C8B-B14F-4D97-AF65-F5344CB8AC3E}">
+        <p14:creationId xmlns:p14="http://schemas.microsoft.com/office/powerpoint/2010/main" val="1615592532"/>
+      </p:ext>
+    </p:extLst>
+  </p:cSld>
+  <p:clrMapOvr>
+    <a:masterClrMapping/>
+  </p:clrMapOvr>
+  <p:transition spd="med"/>
+</p:sld>
+</file>
+
+<file path=ppt/slides/slide15.xml><?xml version="1.0" encoding="utf-8"?>
+<p:sld xmlns:a="http://schemas.openxmlformats.org/drawingml/2006/main" xmlns:r="http://schemas.openxmlformats.org/officeDocument/2006/relationships" xmlns:p="http://schemas.openxmlformats.org/presentationml/2006/main">
+  <p:cSld>
+    <p:spTree>
+      <p:nvGrpSpPr>
+        <p:cNvPr id="1" name=""/>
+        <p:cNvGrpSpPr/>
+        <p:nvPr/>
+      </p:nvGrpSpPr>
+      <p:grpSpPr>
+        <a:xfrm>
+          <a:off x="0" y="0"/>
+          <a:ext cx="0" cy="0"/>
+          <a:chOff x="0" y="0"/>
+          <a:chExt cx="0" cy="0"/>
+        </a:xfrm>
+      </p:grpSpPr>
+      <p:sp>
+        <p:nvSpPr>
+          <p:cNvPr id="6" name="Title 5">
+            <a:extLst>
+              <a:ext uri="{FF2B5EF4-FFF2-40B4-BE49-F238E27FC236}">
+                <a16:creationId xmlns:a16="http://schemas.microsoft.com/office/drawing/2014/main" id="{8BB7FE6E-4E55-A844-9ED1-1586136B6D82}"/>
+              </a:ext>
+            </a:extLst>
+          </p:cNvPr>
+          <p:cNvSpPr>
+            <a:spLocks noGrp="1"/>
+          </p:cNvSpPr>
+          <p:nvPr>
+            <p:ph type="title"/>
+          </p:nvPr>
+        </p:nvSpPr>
+        <p:spPr/>
+        <p:txBody>
+          <a:bodyPr/>
+          <a:lstStyle/>
+          <a:p>
+            <a:r>
+              <a:rPr lang="en-US" dirty="0"/>
+              <a:t>Step 2. Install </a:t>
+            </a:r>
+            <a:r>
+              <a:rPr lang="en-US" dirty="0" err="1"/>
+              <a:t>Conda</a:t>
+            </a:r>
+            <a:endParaRPr lang="en-TW" dirty="0"/>
+          </a:p>
+        </p:txBody>
+      </p:sp>
+      <p:sp>
+        <p:nvSpPr>
+          <p:cNvPr id="7" name="Text Placeholder 6">
+            <a:extLst>
+              <a:ext uri="{FF2B5EF4-FFF2-40B4-BE49-F238E27FC236}">
+                <a16:creationId xmlns:a16="http://schemas.microsoft.com/office/drawing/2014/main" id="{36900474-6D7A-9C4B-8F86-5DD94F2A3D71}"/>
+              </a:ext>
+            </a:extLst>
+          </p:cNvPr>
+          <p:cNvSpPr>
+            <a:spLocks noGrp="1"/>
+          </p:cNvSpPr>
+          <p:nvPr>
+            <p:ph type="body" idx="1"/>
+          </p:nvPr>
+        </p:nvSpPr>
+        <p:spPr>
+          <a:xfrm>
+            <a:off x="1206499" y="4248503"/>
+            <a:ext cx="10985501" cy="8256014"/>
+          </a:xfrm>
+        </p:spPr>
+        <p:txBody>
+          <a:bodyPr>
+            <a:normAutofit lnSpcReduction="10000"/>
+          </a:bodyPr>
+          <a:lstStyle/>
+          <a:p>
+            <a:r>
+              <a:rPr lang="en-US" dirty="0"/>
+              <a:t>“</a:t>
+            </a:r>
+            <a:r>
+              <a:rPr lang="en-US" i="1" dirty="0" err="1"/>
+              <a:t>Miniconda</a:t>
+            </a:r>
+            <a:r>
+              <a:rPr lang="en-US" i="1" dirty="0"/>
+              <a:t> is a free minimal installer for </a:t>
+            </a:r>
+            <a:r>
+              <a:rPr lang="en-US" i="1" dirty="0" err="1"/>
+              <a:t>conda</a:t>
+            </a:r>
+            <a:r>
+              <a:rPr lang="en-US" i="1" dirty="0"/>
+              <a:t>. It is a small bootstrap version of Anaconda that includes only </a:t>
+            </a:r>
+            <a:r>
+              <a:rPr lang="en-US" i="1" dirty="0" err="1"/>
+              <a:t>conda</a:t>
+            </a:r>
+            <a:r>
+              <a:rPr lang="en-US" i="1" dirty="0"/>
+              <a:t>, Python, the packages they both depend on, and a small number of other useful packages (like pip, </a:t>
+            </a:r>
+            <a:r>
+              <a:rPr lang="en-US" i="1" dirty="0" err="1"/>
+              <a:t>zlib</a:t>
+            </a:r>
+            <a:r>
+              <a:rPr lang="en-US" i="1" dirty="0"/>
+              <a:t>, and a few others).</a:t>
+            </a:r>
+            <a:r>
+              <a:rPr lang="en-US" dirty="0"/>
+              <a:t>” from </a:t>
+            </a:r>
+            <a:r>
+              <a:rPr lang="en-US" dirty="0">
+                <a:hlinkClick r:id="rId2"/>
+              </a:rPr>
+              <a:t>https://docs.anaconda.com/free/miniconda/index.html</a:t>
+            </a:r>
+            <a:endParaRPr lang="en-US" dirty="0"/>
+          </a:p>
+          <a:p>
+            <a:r>
+              <a:rPr lang="en-US" dirty="0"/>
+              <a:t>Download the installer from “https://</a:t>
+            </a:r>
+            <a:r>
+              <a:rPr lang="en-US" dirty="0" err="1"/>
+              <a:t>docs.anaconda.com</a:t>
+            </a:r>
+            <a:r>
+              <a:rPr lang="en-US" dirty="0"/>
+              <a:t>/free/</a:t>
+            </a:r>
+            <a:r>
+              <a:rPr lang="en-US" dirty="0" err="1"/>
+              <a:t>miniconda</a:t>
+            </a:r>
+            <a:r>
+              <a:rPr lang="en-US" dirty="0"/>
+              <a:t>/</a:t>
+            </a:r>
+            <a:r>
+              <a:rPr lang="en-US" dirty="0" err="1"/>
+              <a:t>miniconda</a:t>
+            </a:r>
+            <a:r>
+              <a:rPr lang="en-US" dirty="0"/>
+              <a:t>-install/”</a:t>
+            </a:r>
+          </a:p>
+        </p:txBody>
+      </p:sp>
+      <p:sp>
+        <p:nvSpPr>
+          <p:cNvPr id="8" name="Text Placeholder 3">
+            <a:extLst>
+              <a:ext uri="{FF2B5EF4-FFF2-40B4-BE49-F238E27FC236}">
+                <a16:creationId xmlns:a16="http://schemas.microsoft.com/office/drawing/2014/main" id="{BC27F416-6C54-2644-AA85-74DF6D472181}"/>
+              </a:ext>
+            </a:extLst>
+          </p:cNvPr>
+          <p:cNvSpPr txBox="1">
+            <a:spLocks/>
+          </p:cNvSpPr>
+          <p:nvPr/>
+        </p:nvSpPr>
+        <p:spPr>
+          <a:xfrm>
+            <a:off x="1206500" y="2245962"/>
+            <a:ext cx="10985500" cy="934780"/>
+          </a:xfrm>
+          <a:prstGeom prst="rect">
+            <a:avLst/>
+          </a:prstGeom>
+        </p:spPr>
+        <p:txBody>
+          <a:bodyPr/>
+          <a:lstStyle>
+            <a:lvl1pPr marL="609600" marR="0" indent="-609600" algn="l" defTabSz="2438337" latinLnBrk="0">
+              <a:lnSpc>
+                <a:spcPct val="90000"/>
+              </a:lnSpc>
+              <a:spcBef>
+                <a:spcPts val="4500"/>
+              </a:spcBef>
+              <a:spcAft>
+                <a:spcPts val="0"/>
+              </a:spcAft>
+              <a:buClrTx/>
+              <a:buSzPct val="123000"/>
+              <a:buFontTx/>
+              <a:buChar char="•"/>
+              <a:tabLst/>
+              <a:defRPr sz="4800" b="0" i="0" u="none" strike="noStrike" cap="none" spc="0" baseline="0">
+                <a:solidFill>
+                  <a:srgbClr val="000000"/>
+                </a:solidFill>
+                <a:uFillTx/>
+                <a:latin typeface="+mj-lt"/>
+                <a:ea typeface="+mj-ea"/>
+                <a:cs typeface="+mj-cs"/>
+                <a:sym typeface="Helvetica Neue"/>
+              </a:defRPr>
+            </a:lvl1pPr>
+            <a:lvl2pPr marL="1219200" marR="0" indent="-609600" algn="l" defTabSz="2438337" latinLnBrk="0">
+              <a:lnSpc>
+                <a:spcPct val="90000"/>
+              </a:lnSpc>
+              <a:spcBef>
+                <a:spcPts val="4500"/>
+              </a:spcBef>
+              <a:spcAft>
+                <a:spcPts val="0"/>
+              </a:spcAft>
+              <a:buClrTx/>
+              <a:buSzPct val="123000"/>
+              <a:buFontTx/>
+              <a:buChar char="•"/>
+              <a:tabLst/>
+              <a:defRPr sz="4800" b="0" i="0" u="none" strike="noStrike" cap="none" spc="0" baseline="0">
+                <a:solidFill>
+                  <a:srgbClr val="000000"/>
+                </a:solidFill>
+                <a:uFillTx/>
+                <a:latin typeface="+mj-lt"/>
+                <a:ea typeface="+mj-ea"/>
+                <a:cs typeface="+mj-cs"/>
+                <a:sym typeface="Helvetica Neue"/>
+              </a:defRPr>
+            </a:lvl2pPr>
+            <a:lvl3pPr marL="1828800" marR="0" indent="-609600" algn="l" defTabSz="2438337" latinLnBrk="0">
+              <a:lnSpc>
+                <a:spcPct val="90000"/>
+              </a:lnSpc>
+              <a:spcBef>
+                <a:spcPts val="4500"/>
+              </a:spcBef>
+              <a:spcAft>
+                <a:spcPts val="0"/>
+              </a:spcAft>
+              <a:buClrTx/>
+              <a:buSzPct val="123000"/>
+              <a:buFontTx/>
+              <a:buChar char="•"/>
+              <a:tabLst/>
+              <a:defRPr sz="4800" b="0" i="0" u="none" strike="noStrike" cap="none" spc="0" baseline="0">
+                <a:solidFill>
+                  <a:srgbClr val="000000"/>
+                </a:solidFill>
+                <a:uFillTx/>
+                <a:latin typeface="+mj-lt"/>
+                <a:ea typeface="+mj-ea"/>
+                <a:cs typeface="+mj-cs"/>
+                <a:sym typeface="Helvetica Neue"/>
+              </a:defRPr>
+            </a:lvl3pPr>
+            <a:lvl4pPr marL="2438400" marR="0" indent="-609600" algn="l" defTabSz="2438337" latinLnBrk="0">
+              <a:lnSpc>
+                <a:spcPct val="90000"/>
+              </a:lnSpc>
+              <a:spcBef>
+                <a:spcPts val="4500"/>
+              </a:spcBef>
+              <a:spcAft>
+                <a:spcPts val="0"/>
+              </a:spcAft>
+              <a:buClrTx/>
+              <a:buSzPct val="123000"/>
+              <a:buFontTx/>
+              <a:buChar char="•"/>
+              <a:tabLst/>
+              <a:defRPr sz="4800" b="0" i="0" u="none" strike="noStrike" cap="none" spc="0" baseline="0">
+                <a:solidFill>
+                  <a:srgbClr val="000000"/>
+                </a:solidFill>
+                <a:uFillTx/>
+                <a:latin typeface="+mj-lt"/>
+                <a:ea typeface="+mj-ea"/>
+                <a:cs typeface="+mj-cs"/>
+                <a:sym typeface="Helvetica Neue"/>
+              </a:defRPr>
+            </a:lvl4pPr>
+            <a:lvl5pPr marL="3048000" marR="0" indent="-609600" algn="l" defTabSz="2438337" latinLnBrk="0">
+              <a:lnSpc>
+                <a:spcPct val="90000"/>
+              </a:lnSpc>
+              <a:spcBef>
+                <a:spcPts val="4500"/>
+              </a:spcBef>
+              <a:spcAft>
+                <a:spcPts val="0"/>
+              </a:spcAft>
+              <a:buClrTx/>
+              <a:buSzPct val="123000"/>
+              <a:buFontTx/>
+              <a:buChar char="•"/>
+              <a:tabLst/>
+              <a:defRPr sz="4800" b="0" i="0" u="none" strike="noStrike" cap="none" spc="0" baseline="0">
+                <a:solidFill>
+                  <a:srgbClr val="000000"/>
+                </a:solidFill>
+                <a:uFillTx/>
+                <a:latin typeface="+mj-lt"/>
+                <a:ea typeface="+mj-ea"/>
+                <a:cs typeface="+mj-cs"/>
+                <a:sym typeface="Helvetica Neue"/>
+              </a:defRPr>
+            </a:lvl5pPr>
+            <a:lvl6pPr marL="3657600" marR="0" indent="-609600" algn="l" defTabSz="2438337" latinLnBrk="0">
+              <a:lnSpc>
+                <a:spcPct val="90000"/>
+              </a:lnSpc>
+              <a:spcBef>
+                <a:spcPts val="4500"/>
+              </a:spcBef>
+              <a:spcAft>
+                <a:spcPts val="0"/>
+              </a:spcAft>
+              <a:buClrTx/>
+              <a:buSzPct val="123000"/>
+              <a:buFontTx/>
+              <a:buChar char="•"/>
+              <a:tabLst/>
+              <a:defRPr sz="4800" b="0" i="0" u="none" strike="noStrike" cap="none" spc="0" baseline="0">
+                <a:solidFill>
+                  <a:srgbClr val="000000"/>
+                </a:solidFill>
+                <a:uFillTx/>
+                <a:latin typeface="+mj-lt"/>
+                <a:ea typeface="+mj-ea"/>
+                <a:cs typeface="+mj-cs"/>
+                <a:sym typeface="Helvetica Neue"/>
+              </a:defRPr>
+            </a:lvl6pPr>
+            <a:lvl7pPr marL="4267200" marR="0" indent="-609600" algn="l" defTabSz="2438337" latinLnBrk="0">
+              <a:lnSpc>
+                <a:spcPct val="90000"/>
+              </a:lnSpc>
+              <a:spcBef>
+                <a:spcPts val="4500"/>
+              </a:spcBef>
+              <a:spcAft>
+                <a:spcPts val="0"/>
+              </a:spcAft>
+              <a:buClrTx/>
+              <a:buSzPct val="123000"/>
+              <a:buFontTx/>
+              <a:buChar char="•"/>
+              <a:tabLst/>
+              <a:defRPr sz="4800" b="0" i="0" u="none" strike="noStrike" cap="none" spc="0" baseline="0">
+                <a:solidFill>
+                  <a:srgbClr val="000000"/>
+                </a:solidFill>
+                <a:uFillTx/>
+                <a:latin typeface="+mj-lt"/>
+                <a:ea typeface="+mj-ea"/>
+                <a:cs typeface="+mj-cs"/>
+                <a:sym typeface="Helvetica Neue"/>
+              </a:defRPr>
+            </a:lvl7pPr>
+            <a:lvl8pPr marL="4876800" marR="0" indent="-609600" algn="l" defTabSz="2438337" latinLnBrk="0">
+              <a:lnSpc>
+                <a:spcPct val="90000"/>
+              </a:lnSpc>
+              <a:spcBef>
+                <a:spcPts val="4500"/>
+              </a:spcBef>
+              <a:spcAft>
+                <a:spcPts val="0"/>
+              </a:spcAft>
+              <a:buClrTx/>
+              <a:buSzPct val="123000"/>
+              <a:buFontTx/>
+              <a:buChar char="•"/>
+              <a:tabLst/>
+              <a:defRPr sz="4800" b="0" i="0" u="none" strike="noStrike" cap="none" spc="0" baseline="0">
+                <a:solidFill>
+                  <a:srgbClr val="000000"/>
+                </a:solidFill>
+                <a:uFillTx/>
+                <a:latin typeface="+mj-lt"/>
+                <a:ea typeface="+mj-ea"/>
+                <a:cs typeface="+mj-cs"/>
+                <a:sym typeface="Helvetica Neue"/>
+              </a:defRPr>
+            </a:lvl8pPr>
+            <a:lvl9pPr marL="5486400" marR="0" indent="-609600" algn="l" defTabSz="2438337" latinLnBrk="0">
+              <a:lnSpc>
+                <a:spcPct val="90000"/>
+              </a:lnSpc>
+              <a:spcBef>
+                <a:spcPts val="4500"/>
+              </a:spcBef>
+              <a:spcAft>
+                <a:spcPts val="0"/>
+              </a:spcAft>
+              <a:buClrTx/>
+              <a:buSzPct val="123000"/>
+              <a:buFontTx/>
+              <a:buChar char="•"/>
+              <a:tabLst/>
+              <a:defRPr sz="4800" b="0" i="0" u="none" strike="noStrike" cap="none" spc="0" baseline="0">
+                <a:solidFill>
+                  <a:srgbClr val="000000"/>
+                </a:solidFill>
+                <a:uFillTx/>
+                <a:latin typeface="+mj-lt"/>
+                <a:ea typeface="+mj-ea"/>
+                <a:cs typeface="+mj-cs"/>
+                <a:sym typeface="Helvetica Neue"/>
+              </a:defRPr>
+            </a:lvl9pPr>
+          </a:lstStyle>
+          <a:p>
+            <a:pPr marL="0" indent="0" hangingPunct="1">
+              <a:buNone/>
+            </a:pPr>
+            <a:endParaRPr lang="en-US" dirty="0"/>
+          </a:p>
+        </p:txBody>
+      </p:sp>
+      <p:sp>
+        <p:nvSpPr>
+          <p:cNvPr id="9" name="Text Placeholder 3">
+            <a:extLst>
+              <a:ext uri="{FF2B5EF4-FFF2-40B4-BE49-F238E27FC236}">
+                <a16:creationId xmlns:a16="http://schemas.microsoft.com/office/drawing/2014/main" id="{5088C0CB-EFF5-894C-BB3B-3D460ADCCD36}"/>
+              </a:ext>
+            </a:extLst>
+          </p:cNvPr>
+          <p:cNvSpPr txBox="1">
+            <a:spLocks/>
+          </p:cNvSpPr>
+          <p:nvPr/>
+        </p:nvSpPr>
+        <p:spPr>
+          <a:xfrm>
+            <a:off x="12192000" y="2245962"/>
+            <a:ext cx="10985500" cy="934780"/>
+          </a:xfrm>
+          <a:prstGeom prst="rect">
+            <a:avLst/>
+          </a:prstGeom>
+        </p:spPr>
+        <p:txBody>
+          <a:bodyPr/>
+          <a:lstStyle>
+            <a:lvl1pPr marL="609600" marR="0" indent="-609600" algn="l" defTabSz="2438337" latinLnBrk="0">
+              <a:lnSpc>
+                <a:spcPct val="90000"/>
+              </a:lnSpc>
+              <a:spcBef>
+                <a:spcPts val="4500"/>
+              </a:spcBef>
+              <a:spcAft>
+                <a:spcPts val="0"/>
+              </a:spcAft>
+              <a:buClrTx/>
+              <a:buSzPct val="123000"/>
+              <a:buFontTx/>
+              <a:buChar char="•"/>
+              <a:tabLst/>
+              <a:defRPr sz="4800" b="0" i="0" u="none" strike="noStrike" cap="none" spc="0" baseline="0">
+                <a:solidFill>
+                  <a:srgbClr val="000000"/>
+                </a:solidFill>
+                <a:uFillTx/>
+                <a:latin typeface="+mj-lt"/>
+                <a:ea typeface="+mj-ea"/>
+                <a:cs typeface="+mj-cs"/>
+                <a:sym typeface="Helvetica Neue"/>
+              </a:defRPr>
+            </a:lvl1pPr>
+            <a:lvl2pPr marL="1219200" marR="0" indent="-609600" algn="l" defTabSz="2438337" latinLnBrk="0">
+              <a:lnSpc>
+                <a:spcPct val="90000"/>
+              </a:lnSpc>
+              <a:spcBef>
+                <a:spcPts val="4500"/>
+              </a:spcBef>
+              <a:spcAft>
+                <a:spcPts val="0"/>
+              </a:spcAft>
+              <a:buClrTx/>
+              <a:buSzPct val="123000"/>
+              <a:buFontTx/>
+              <a:buChar char="•"/>
+              <a:tabLst/>
+              <a:defRPr sz="4800" b="0" i="0" u="none" strike="noStrike" cap="none" spc="0" baseline="0">
+                <a:solidFill>
+                  <a:srgbClr val="000000"/>
+                </a:solidFill>
+                <a:uFillTx/>
+                <a:latin typeface="+mj-lt"/>
+                <a:ea typeface="+mj-ea"/>
+                <a:cs typeface="+mj-cs"/>
+                <a:sym typeface="Helvetica Neue"/>
+              </a:defRPr>
+            </a:lvl2pPr>
+            <a:lvl3pPr marL="1828800" marR="0" indent="-609600" algn="l" defTabSz="2438337" latinLnBrk="0">
+              <a:lnSpc>
+                <a:spcPct val="90000"/>
+              </a:lnSpc>
+              <a:spcBef>
+                <a:spcPts val="4500"/>
+              </a:spcBef>
+              <a:spcAft>
+                <a:spcPts val="0"/>
+              </a:spcAft>
+              <a:buClrTx/>
+              <a:buSzPct val="123000"/>
+              <a:buFontTx/>
+              <a:buChar char="•"/>
+              <a:tabLst/>
+              <a:defRPr sz="4800" b="0" i="0" u="none" strike="noStrike" cap="none" spc="0" baseline="0">
+                <a:solidFill>
+                  <a:srgbClr val="000000"/>
+                </a:solidFill>
+                <a:uFillTx/>
+                <a:latin typeface="+mj-lt"/>
+                <a:ea typeface="+mj-ea"/>
+                <a:cs typeface="+mj-cs"/>
+                <a:sym typeface="Helvetica Neue"/>
+              </a:defRPr>
+            </a:lvl3pPr>
+            <a:lvl4pPr marL="2438400" marR="0" indent="-609600" algn="l" defTabSz="2438337" latinLnBrk="0">
+              <a:lnSpc>
+                <a:spcPct val="90000"/>
+              </a:lnSpc>
+              <a:spcBef>
+                <a:spcPts val="4500"/>
+              </a:spcBef>
+              <a:spcAft>
+                <a:spcPts val="0"/>
+              </a:spcAft>
+              <a:buClrTx/>
+              <a:buSzPct val="123000"/>
+              <a:buFontTx/>
+              <a:buChar char="•"/>
+              <a:tabLst/>
+              <a:defRPr sz="4800" b="0" i="0" u="none" strike="noStrike" cap="none" spc="0" baseline="0">
+                <a:solidFill>
+                  <a:srgbClr val="000000"/>
+                </a:solidFill>
+                <a:uFillTx/>
+                <a:latin typeface="+mj-lt"/>
+                <a:ea typeface="+mj-ea"/>
+                <a:cs typeface="+mj-cs"/>
+                <a:sym typeface="Helvetica Neue"/>
+              </a:defRPr>
+            </a:lvl4pPr>
+            <a:lvl5pPr marL="3048000" marR="0" indent="-609600" algn="l" defTabSz="2438337" latinLnBrk="0">
+              <a:lnSpc>
+                <a:spcPct val="90000"/>
+              </a:lnSpc>
+              <a:spcBef>
+                <a:spcPts val="4500"/>
+              </a:spcBef>
+              <a:spcAft>
+                <a:spcPts val="0"/>
+              </a:spcAft>
+              <a:buClrTx/>
+              <a:buSzPct val="123000"/>
+              <a:buFontTx/>
+              <a:buChar char="•"/>
+              <a:tabLst/>
+              <a:defRPr sz="4800" b="0" i="0" u="none" strike="noStrike" cap="none" spc="0" baseline="0">
+                <a:solidFill>
+                  <a:srgbClr val="000000"/>
+                </a:solidFill>
+                <a:uFillTx/>
+                <a:latin typeface="+mj-lt"/>
+                <a:ea typeface="+mj-ea"/>
+                <a:cs typeface="+mj-cs"/>
+                <a:sym typeface="Helvetica Neue"/>
+              </a:defRPr>
+            </a:lvl5pPr>
+            <a:lvl6pPr marL="3657600" marR="0" indent="-609600" algn="l" defTabSz="2438337" latinLnBrk="0">
+              <a:lnSpc>
+                <a:spcPct val="90000"/>
+              </a:lnSpc>
+              <a:spcBef>
+                <a:spcPts val="4500"/>
+              </a:spcBef>
+              <a:spcAft>
+                <a:spcPts val="0"/>
+              </a:spcAft>
+              <a:buClrTx/>
+              <a:buSzPct val="123000"/>
+              <a:buFontTx/>
+              <a:buChar char="•"/>
+              <a:tabLst/>
+              <a:defRPr sz="4800" b="0" i="0" u="none" strike="noStrike" cap="none" spc="0" baseline="0">
+                <a:solidFill>
+                  <a:srgbClr val="000000"/>
+                </a:solidFill>
+                <a:uFillTx/>
+                <a:latin typeface="+mj-lt"/>
+                <a:ea typeface="+mj-ea"/>
+                <a:cs typeface="+mj-cs"/>
+                <a:sym typeface="Helvetica Neue"/>
+              </a:defRPr>
+            </a:lvl6pPr>
+            <a:lvl7pPr marL="4267200" marR="0" indent="-609600" algn="l" defTabSz="2438337" latinLnBrk="0">
+              <a:lnSpc>
+                <a:spcPct val="90000"/>
+              </a:lnSpc>
+              <a:spcBef>
+                <a:spcPts val="4500"/>
+              </a:spcBef>
+              <a:spcAft>
+                <a:spcPts val="0"/>
+              </a:spcAft>
+              <a:buClrTx/>
+              <a:buSzPct val="123000"/>
+              <a:buFontTx/>
+              <a:buChar char="•"/>
+              <a:tabLst/>
+              <a:defRPr sz="4800" b="0" i="0" u="none" strike="noStrike" cap="none" spc="0" baseline="0">
+                <a:solidFill>
+                  <a:srgbClr val="000000"/>
+                </a:solidFill>
+                <a:uFillTx/>
+                <a:latin typeface="+mj-lt"/>
+                <a:ea typeface="+mj-ea"/>
+                <a:cs typeface="+mj-cs"/>
+                <a:sym typeface="Helvetica Neue"/>
+              </a:defRPr>
+            </a:lvl7pPr>
+            <a:lvl8pPr marL="4876800" marR="0" indent="-609600" algn="l" defTabSz="2438337" latinLnBrk="0">
+              <a:lnSpc>
+                <a:spcPct val="90000"/>
+              </a:lnSpc>
+              <a:spcBef>
+                <a:spcPts val="4500"/>
+              </a:spcBef>
+              <a:spcAft>
+                <a:spcPts val="0"/>
+              </a:spcAft>
+              <a:buClrTx/>
+              <a:buSzPct val="123000"/>
+              <a:buFontTx/>
+              <a:buChar char="•"/>
+              <a:tabLst/>
+              <a:defRPr sz="4800" b="0" i="0" u="none" strike="noStrike" cap="none" spc="0" baseline="0">
+                <a:solidFill>
+                  <a:srgbClr val="000000"/>
+                </a:solidFill>
+                <a:uFillTx/>
+                <a:latin typeface="+mj-lt"/>
+                <a:ea typeface="+mj-ea"/>
+                <a:cs typeface="+mj-cs"/>
+                <a:sym typeface="Helvetica Neue"/>
+              </a:defRPr>
+            </a:lvl8pPr>
+            <a:lvl9pPr marL="5486400" marR="0" indent="-609600" algn="l" defTabSz="2438337" latinLnBrk="0">
+              <a:lnSpc>
+                <a:spcPct val="90000"/>
+              </a:lnSpc>
+              <a:spcBef>
+                <a:spcPts val="4500"/>
+              </a:spcBef>
+              <a:spcAft>
+                <a:spcPts val="0"/>
+              </a:spcAft>
+              <a:buClrTx/>
+              <a:buSzPct val="123000"/>
+              <a:buFontTx/>
+              <a:buChar char="•"/>
+              <a:tabLst/>
+              <a:defRPr sz="4800" b="0" i="0" u="none" strike="noStrike" cap="none" spc="0" baseline="0">
+                <a:solidFill>
+                  <a:srgbClr val="000000"/>
+                </a:solidFill>
+                <a:uFillTx/>
+                <a:latin typeface="+mj-lt"/>
+                <a:ea typeface="+mj-ea"/>
+                <a:cs typeface="+mj-cs"/>
+                <a:sym typeface="Helvetica Neue"/>
+              </a:defRPr>
+            </a:lvl9pPr>
+          </a:lstStyle>
+          <a:p>
+            <a:pPr marL="0" indent="0" hangingPunct="1">
+              <a:buNone/>
+            </a:pPr>
+            <a:endParaRPr lang="en-US" dirty="0"/>
+          </a:p>
+        </p:txBody>
+      </p:sp>
+      <p:sp>
+        <p:nvSpPr>
+          <p:cNvPr id="10" name="Text Placeholder 3">
+            <a:extLst>
+              <a:ext uri="{FF2B5EF4-FFF2-40B4-BE49-F238E27FC236}">
+                <a16:creationId xmlns:a16="http://schemas.microsoft.com/office/drawing/2014/main" id="{C93338C3-9ED8-DB49-8938-1967AA79C0F3}"/>
+              </a:ext>
+            </a:extLst>
+          </p:cNvPr>
+          <p:cNvSpPr txBox="1">
+            <a:spLocks/>
+          </p:cNvSpPr>
+          <p:nvPr/>
+        </p:nvSpPr>
+        <p:spPr>
+          <a:xfrm>
+            <a:off x="12192000" y="2245962"/>
+            <a:ext cx="10985500" cy="934780"/>
+          </a:xfrm>
+          <a:prstGeom prst="rect">
+            <a:avLst/>
+          </a:prstGeom>
+        </p:spPr>
+        <p:txBody>
+          <a:bodyPr/>
+          <a:lstStyle>
+            <a:lvl1pPr marL="609600" marR="0" indent="-609600" algn="l" defTabSz="2438337" latinLnBrk="0">
+              <a:lnSpc>
+                <a:spcPct val="90000"/>
+              </a:lnSpc>
+              <a:spcBef>
+                <a:spcPts val="4500"/>
+              </a:spcBef>
+              <a:spcAft>
+                <a:spcPts val="0"/>
+              </a:spcAft>
+              <a:buClrTx/>
+              <a:buSzPct val="123000"/>
+              <a:buFontTx/>
+              <a:buChar char="•"/>
+              <a:tabLst/>
+              <a:defRPr sz="4800" b="0" i="0" u="none" strike="noStrike" cap="none" spc="0" baseline="0">
+                <a:solidFill>
+                  <a:srgbClr val="000000"/>
+                </a:solidFill>
+                <a:uFillTx/>
+                <a:latin typeface="+mj-lt"/>
+                <a:ea typeface="+mj-ea"/>
+                <a:cs typeface="+mj-cs"/>
+                <a:sym typeface="Helvetica Neue"/>
+              </a:defRPr>
+            </a:lvl1pPr>
+            <a:lvl2pPr marL="1219200" marR="0" indent="-609600" algn="l" defTabSz="2438337" latinLnBrk="0">
+              <a:lnSpc>
+                <a:spcPct val="90000"/>
+              </a:lnSpc>
+              <a:spcBef>
+                <a:spcPts val="4500"/>
+              </a:spcBef>
+              <a:spcAft>
+                <a:spcPts val="0"/>
+              </a:spcAft>
+              <a:buClrTx/>
+              <a:buSzPct val="123000"/>
+              <a:buFontTx/>
+              <a:buChar char="•"/>
+              <a:tabLst/>
+              <a:defRPr sz="4800" b="0" i="0" u="none" strike="noStrike" cap="none" spc="0" baseline="0">
+                <a:solidFill>
+                  <a:srgbClr val="000000"/>
+                </a:solidFill>
+                <a:uFillTx/>
+                <a:latin typeface="+mj-lt"/>
+                <a:ea typeface="+mj-ea"/>
+                <a:cs typeface="+mj-cs"/>
+                <a:sym typeface="Helvetica Neue"/>
+              </a:defRPr>
+            </a:lvl2pPr>
+            <a:lvl3pPr marL="1828800" marR="0" indent="-609600" algn="l" defTabSz="2438337" latinLnBrk="0">
+              <a:lnSpc>
+                <a:spcPct val="90000"/>
+              </a:lnSpc>
+              <a:spcBef>
+                <a:spcPts val="4500"/>
+              </a:spcBef>
+              <a:spcAft>
+                <a:spcPts val="0"/>
+              </a:spcAft>
+              <a:buClrTx/>
+              <a:buSzPct val="123000"/>
+              <a:buFontTx/>
+              <a:buChar char="•"/>
+              <a:tabLst/>
+              <a:defRPr sz="4800" b="0" i="0" u="none" strike="noStrike" cap="none" spc="0" baseline="0">
+                <a:solidFill>
+                  <a:srgbClr val="000000"/>
+                </a:solidFill>
+                <a:uFillTx/>
+                <a:latin typeface="+mj-lt"/>
+                <a:ea typeface="+mj-ea"/>
+                <a:cs typeface="+mj-cs"/>
+                <a:sym typeface="Helvetica Neue"/>
+              </a:defRPr>
+            </a:lvl3pPr>
+            <a:lvl4pPr marL="2438400" marR="0" indent="-609600" algn="l" defTabSz="2438337" latinLnBrk="0">
+              <a:lnSpc>
+                <a:spcPct val="90000"/>
+              </a:lnSpc>
+              <a:spcBef>
+                <a:spcPts val="4500"/>
+              </a:spcBef>
+              <a:spcAft>
+                <a:spcPts val="0"/>
+              </a:spcAft>
+              <a:buClrTx/>
+              <a:buSzPct val="123000"/>
+              <a:buFontTx/>
+              <a:buChar char="•"/>
+              <a:tabLst/>
+              <a:defRPr sz="4800" b="0" i="0" u="none" strike="noStrike" cap="none" spc="0" baseline="0">
+                <a:solidFill>
+                  <a:srgbClr val="000000"/>
+                </a:solidFill>
+                <a:uFillTx/>
+                <a:latin typeface="+mj-lt"/>
+                <a:ea typeface="+mj-ea"/>
+                <a:cs typeface="+mj-cs"/>
+                <a:sym typeface="Helvetica Neue"/>
+              </a:defRPr>
+            </a:lvl4pPr>
+            <a:lvl5pPr marL="3048000" marR="0" indent="-609600" algn="l" defTabSz="2438337" latinLnBrk="0">
+              <a:lnSpc>
+                <a:spcPct val="90000"/>
+              </a:lnSpc>
+              <a:spcBef>
+                <a:spcPts val="4500"/>
+              </a:spcBef>
+              <a:spcAft>
+                <a:spcPts val="0"/>
+              </a:spcAft>
+              <a:buClrTx/>
+              <a:buSzPct val="123000"/>
+              <a:buFontTx/>
+              <a:buChar char="•"/>
+              <a:tabLst/>
+              <a:defRPr sz="4800" b="0" i="0" u="none" strike="noStrike" cap="none" spc="0" baseline="0">
+                <a:solidFill>
+                  <a:srgbClr val="000000"/>
+                </a:solidFill>
+                <a:uFillTx/>
+                <a:latin typeface="+mj-lt"/>
+                <a:ea typeface="+mj-ea"/>
+                <a:cs typeface="+mj-cs"/>
+                <a:sym typeface="Helvetica Neue"/>
+              </a:defRPr>
+            </a:lvl5pPr>
+            <a:lvl6pPr marL="3657600" marR="0" indent="-609600" algn="l" defTabSz="2438337" latinLnBrk="0">
+              <a:lnSpc>
+                <a:spcPct val="90000"/>
+              </a:lnSpc>
+              <a:spcBef>
+                <a:spcPts val="4500"/>
+              </a:spcBef>
+              <a:spcAft>
+                <a:spcPts val="0"/>
+              </a:spcAft>
+              <a:buClrTx/>
+              <a:buSzPct val="123000"/>
+              <a:buFontTx/>
+              <a:buChar char="•"/>
+              <a:tabLst/>
+              <a:defRPr sz="4800" b="0" i="0" u="none" strike="noStrike" cap="none" spc="0" baseline="0">
+                <a:solidFill>
+                  <a:srgbClr val="000000"/>
+                </a:solidFill>
+                <a:uFillTx/>
+                <a:latin typeface="+mj-lt"/>
+                <a:ea typeface="+mj-ea"/>
+                <a:cs typeface="+mj-cs"/>
+                <a:sym typeface="Helvetica Neue"/>
+              </a:defRPr>
+            </a:lvl6pPr>
+            <a:lvl7pPr marL="4267200" marR="0" indent="-609600" algn="l" defTabSz="2438337" latinLnBrk="0">
+              <a:lnSpc>
+                <a:spcPct val="90000"/>
+              </a:lnSpc>
+              <a:spcBef>
+                <a:spcPts val="4500"/>
+              </a:spcBef>
+              <a:spcAft>
+                <a:spcPts val="0"/>
+              </a:spcAft>
+              <a:buClrTx/>
+              <a:buSzPct val="123000"/>
+              <a:buFontTx/>
+              <a:buChar char="•"/>
+              <a:tabLst/>
+              <a:defRPr sz="4800" b="0" i="0" u="none" strike="noStrike" cap="none" spc="0" baseline="0">
+                <a:solidFill>
+                  <a:srgbClr val="000000"/>
+                </a:solidFill>
+                <a:uFillTx/>
+                <a:latin typeface="+mj-lt"/>
+                <a:ea typeface="+mj-ea"/>
+                <a:cs typeface="+mj-cs"/>
+                <a:sym typeface="Helvetica Neue"/>
+              </a:defRPr>
+            </a:lvl7pPr>
+            <a:lvl8pPr marL="4876800" marR="0" indent="-609600" algn="l" defTabSz="2438337" latinLnBrk="0">
+              <a:lnSpc>
+                <a:spcPct val="90000"/>
+              </a:lnSpc>
+              <a:spcBef>
+                <a:spcPts val="4500"/>
+              </a:spcBef>
+              <a:spcAft>
+                <a:spcPts val="0"/>
+              </a:spcAft>
+              <a:buClrTx/>
+              <a:buSzPct val="123000"/>
+              <a:buFontTx/>
+              <a:buChar char="•"/>
+              <a:tabLst/>
+              <a:defRPr sz="4800" b="0" i="0" u="none" strike="noStrike" cap="none" spc="0" baseline="0">
+                <a:solidFill>
+                  <a:srgbClr val="000000"/>
+                </a:solidFill>
+                <a:uFillTx/>
+                <a:latin typeface="+mj-lt"/>
+                <a:ea typeface="+mj-ea"/>
+                <a:cs typeface="+mj-cs"/>
+                <a:sym typeface="Helvetica Neue"/>
+              </a:defRPr>
+            </a:lvl8pPr>
+            <a:lvl9pPr marL="5486400" marR="0" indent="-609600" algn="l" defTabSz="2438337" latinLnBrk="0">
+              <a:lnSpc>
+                <a:spcPct val="90000"/>
+              </a:lnSpc>
+              <a:spcBef>
+                <a:spcPts val="4500"/>
+              </a:spcBef>
+              <a:spcAft>
+                <a:spcPts val="0"/>
+              </a:spcAft>
+              <a:buClrTx/>
+              <a:buSzPct val="123000"/>
+              <a:buFontTx/>
+              <a:buChar char="•"/>
+              <a:tabLst/>
+              <a:defRPr sz="4800" b="0" i="0" u="none" strike="noStrike" cap="none" spc="0" baseline="0">
+                <a:solidFill>
+                  <a:srgbClr val="000000"/>
+                </a:solidFill>
+                <a:uFillTx/>
+                <a:latin typeface="+mj-lt"/>
+                <a:ea typeface="+mj-ea"/>
+                <a:cs typeface="+mj-cs"/>
+                <a:sym typeface="Helvetica Neue"/>
+              </a:defRPr>
+            </a:lvl9pPr>
+          </a:lstStyle>
+          <a:p>
+            <a:pPr marL="0" indent="0" hangingPunct="1">
+              <a:buNone/>
+            </a:pPr>
+            <a:r>
+              <a:rPr lang="en-US" sz="13800" b="1" dirty="0">
+                <a:solidFill>
+                  <a:srgbClr val="FF0000"/>
+                </a:solidFill>
+              </a:rPr>
+              <a:t>PC user</a:t>
+            </a:r>
+          </a:p>
+        </p:txBody>
+      </p:sp>
+      <p:sp>
+        <p:nvSpPr>
+          <p:cNvPr id="11" name="Text Placeholder 6">
+            <a:extLst>
+              <a:ext uri="{FF2B5EF4-FFF2-40B4-BE49-F238E27FC236}">
+                <a16:creationId xmlns:a16="http://schemas.microsoft.com/office/drawing/2014/main" id="{04CE7255-7EFF-834A-B829-643900C577F4}"/>
+              </a:ext>
+            </a:extLst>
+          </p:cNvPr>
+          <p:cNvSpPr txBox="1">
+            <a:spLocks/>
+          </p:cNvSpPr>
+          <p:nvPr/>
+        </p:nvSpPr>
+        <p:spPr>
+          <a:xfrm>
+            <a:off x="12192000" y="4248503"/>
+            <a:ext cx="10985500" cy="8256014"/>
+          </a:xfrm>
+          <a:prstGeom prst="rect">
+            <a:avLst/>
+          </a:prstGeom>
+          <a:ln w="12700">
+            <a:miter lim="400000"/>
+          </a:ln>
+          <a:extLst>
+            <a:ext uri="{C572A759-6A51-4108-AA02-DFA0A04FC94B}">
+              <ma14:wrappingTextBoxFlag xmlns="" xmlns:m="http://schemas.openxmlformats.org/officeDocument/2006/math" xmlns:a14="http://schemas.microsoft.com/office/drawing/2010/main" xmlns:ma14="http://schemas.microsoft.com/office/mac/drawingml/2011/main" val="1"/>
+            </a:ext>
+          </a:extLst>
+        </p:spPr>
+        <p:txBody>
+          <a:bodyPr lIns="50800" tIns="50800" rIns="50800" bIns="50800">
+            <a:normAutofit/>
+          </a:bodyPr>
+          <a:lstStyle>
+            <a:lvl1pPr marL="609600" marR="0" indent="-609600" algn="l" defTabSz="2438337" latinLnBrk="0">
+              <a:lnSpc>
+                <a:spcPct val="90000"/>
+              </a:lnSpc>
+              <a:spcBef>
+                <a:spcPts val="4500"/>
+              </a:spcBef>
+              <a:spcAft>
+                <a:spcPts val="0"/>
+              </a:spcAft>
+              <a:buClrTx/>
+              <a:buSzPct val="123000"/>
+              <a:buFontTx/>
+              <a:buChar char="•"/>
+              <a:tabLst/>
+              <a:defRPr sz="4800" b="0" i="0" u="none" strike="noStrike" cap="none" spc="0" baseline="0">
+                <a:solidFill>
+                  <a:srgbClr val="000000"/>
+                </a:solidFill>
+                <a:uFillTx/>
+                <a:latin typeface="+mj-lt"/>
+                <a:ea typeface="+mj-ea"/>
+                <a:cs typeface="+mj-cs"/>
+                <a:sym typeface="Helvetica Neue"/>
+              </a:defRPr>
+            </a:lvl1pPr>
+            <a:lvl2pPr marL="1219200" marR="0" indent="-609600" algn="l" defTabSz="2438337" latinLnBrk="0">
+              <a:lnSpc>
+                <a:spcPct val="90000"/>
+              </a:lnSpc>
+              <a:spcBef>
+                <a:spcPts val="4500"/>
+              </a:spcBef>
+              <a:spcAft>
+                <a:spcPts val="0"/>
+              </a:spcAft>
+              <a:buClrTx/>
+              <a:buSzPct val="123000"/>
+              <a:buFontTx/>
+              <a:buChar char="•"/>
+              <a:tabLst/>
+              <a:defRPr sz="4800" b="0" i="0" u="none" strike="noStrike" cap="none" spc="0" baseline="0">
+                <a:solidFill>
+                  <a:srgbClr val="000000"/>
+                </a:solidFill>
+                <a:uFillTx/>
+                <a:latin typeface="+mj-lt"/>
+                <a:ea typeface="+mj-ea"/>
+                <a:cs typeface="+mj-cs"/>
+                <a:sym typeface="Helvetica Neue"/>
+              </a:defRPr>
+            </a:lvl2pPr>
+            <a:lvl3pPr marL="1828800" marR="0" indent="-609600" algn="l" defTabSz="2438337" latinLnBrk="0">
+              <a:lnSpc>
+                <a:spcPct val="90000"/>
+              </a:lnSpc>
+              <a:spcBef>
+                <a:spcPts val="4500"/>
+              </a:spcBef>
+              <a:spcAft>
+                <a:spcPts val="0"/>
+              </a:spcAft>
+              <a:buClrTx/>
+              <a:buSzPct val="123000"/>
+              <a:buFontTx/>
+              <a:buChar char="•"/>
+              <a:tabLst/>
+              <a:defRPr sz="4800" b="0" i="0" u="none" strike="noStrike" cap="none" spc="0" baseline="0">
+                <a:solidFill>
+                  <a:srgbClr val="000000"/>
+                </a:solidFill>
+                <a:uFillTx/>
+                <a:latin typeface="+mj-lt"/>
+                <a:ea typeface="+mj-ea"/>
+                <a:cs typeface="+mj-cs"/>
+                <a:sym typeface="Helvetica Neue"/>
+              </a:defRPr>
+            </a:lvl3pPr>
+            <a:lvl4pPr marL="2438400" marR="0" indent="-609600" algn="l" defTabSz="2438337" latinLnBrk="0">
+              <a:lnSpc>
+                <a:spcPct val="90000"/>
+              </a:lnSpc>
+              <a:spcBef>
+                <a:spcPts val="4500"/>
+              </a:spcBef>
+              <a:spcAft>
+                <a:spcPts val="0"/>
+              </a:spcAft>
+              <a:buClrTx/>
+              <a:buSzPct val="123000"/>
+              <a:buFontTx/>
+              <a:buChar char="•"/>
+              <a:tabLst/>
+              <a:defRPr sz="4800" b="0" i="0" u="none" strike="noStrike" cap="none" spc="0" baseline="0">
+                <a:solidFill>
+                  <a:srgbClr val="000000"/>
+                </a:solidFill>
+                <a:uFillTx/>
+                <a:latin typeface="+mj-lt"/>
+                <a:ea typeface="+mj-ea"/>
+                <a:cs typeface="+mj-cs"/>
+                <a:sym typeface="Helvetica Neue"/>
+              </a:defRPr>
+            </a:lvl4pPr>
+            <a:lvl5pPr marL="3048000" marR="0" indent="-609600" algn="l" defTabSz="2438337" latinLnBrk="0">
+              <a:lnSpc>
+                <a:spcPct val="90000"/>
+              </a:lnSpc>
+              <a:spcBef>
+                <a:spcPts val="4500"/>
+              </a:spcBef>
+              <a:spcAft>
+                <a:spcPts val="0"/>
+              </a:spcAft>
+              <a:buClrTx/>
+              <a:buSzPct val="123000"/>
+              <a:buFontTx/>
+              <a:buChar char="•"/>
+              <a:tabLst/>
+              <a:defRPr sz="4800" b="0" i="0" u="none" strike="noStrike" cap="none" spc="0" baseline="0">
+                <a:solidFill>
+                  <a:srgbClr val="000000"/>
+                </a:solidFill>
+                <a:uFillTx/>
+                <a:latin typeface="+mj-lt"/>
+                <a:ea typeface="+mj-ea"/>
+                <a:cs typeface="+mj-cs"/>
+                <a:sym typeface="Helvetica Neue"/>
+              </a:defRPr>
+            </a:lvl5pPr>
+            <a:lvl6pPr marL="3657600" marR="0" indent="-609600" algn="l" defTabSz="2438337" latinLnBrk="0">
+              <a:lnSpc>
+                <a:spcPct val="90000"/>
+              </a:lnSpc>
+              <a:spcBef>
+                <a:spcPts val="4500"/>
+              </a:spcBef>
+              <a:spcAft>
+                <a:spcPts val="0"/>
+              </a:spcAft>
+              <a:buClrTx/>
+              <a:buSzPct val="123000"/>
+              <a:buFontTx/>
+              <a:buChar char="•"/>
+              <a:tabLst/>
+              <a:defRPr sz="4800" b="0" i="0" u="none" strike="noStrike" cap="none" spc="0" baseline="0">
+                <a:solidFill>
+                  <a:srgbClr val="000000"/>
+                </a:solidFill>
+                <a:uFillTx/>
+                <a:latin typeface="+mj-lt"/>
+                <a:ea typeface="+mj-ea"/>
+                <a:cs typeface="+mj-cs"/>
+                <a:sym typeface="Helvetica Neue"/>
+              </a:defRPr>
+            </a:lvl6pPr>
+            <a:lvl7pPr marL="4267200" marR="0" indent="-609600" algn="l" defTabSz="2438337" latinLnBrk="0">
+              <a:lnSpc>
+                <a:spcPct val="90000"/>
+              </a:lnSpc>
+              <a:spcBef>
+                <a:spcPts val="4500"/>
+              </a:spcBef>
+              <a:spcAft>
+                <a:spcPts val="0"/>
+              </a:spcAft>
+              <a:buClrTx/>
+              <a:buSzPct val="123000"/>
+              <a:buFontTx/>
+              <a:buChar char="•"/>
+              <a:tabLst/>
+              <a:defRPr sz="4800" b="0" i="0" u="none" strike="noStrike" cap="none" spc="0" baseline="0">
+                <a:solidFill>
+                  <a:srgbClr val="000000"/>
+                </a:solidFill>
+                <a:uFillTx/>
+                <a:latin typeface="+mj-lt"/>
+                <a:ea typeface="+mj-ea"/>
+                <a:cs typeface="+mj-cs"/>
+                <a:sym typeface="Helvetica Neue"/>
+              </a:defRPr>
+            </a:lvl7pPr>
+            <a:lvl8pPr marL="4876800" marR="0" indent="-609600" algn="l" defTabSz="2438337" latinLnBrk="0">
+              <a:lnSpc>
+                <a:spcPct val="90000"/>
+              </a:lnSpc>
+              <a:spcBef>
+                <a:spcPts val="4500"/>
+              </a:spcBef>
+              <a:spcAft>
+                <a:spcPts val="0"/>
+              </a:spcAft>
+              <a:buClrTx/>
+              <a:buSzPct val="123000"/>
+              <a:buFontTx/>
+              <a:buChar char="•"/>
+              <a:tabLst/>
+              <a:defRPr sz="4800" b="0" i="0" u="none" strike="noStrike" cap="none" spc="0" baseline="0">
+                <a:solidFill>
+                  <a:srgbClr val="000000"/>
+                </a:solidFill>
+                <a:uFillTx/>
+                <a:latin typeface="+mj-lt"/>
+                <a:ea typeface="+mj-ea"/>
+                <a:cs typeface="+mj-cs"/>
+                <a:sym typeface="Helvetica Neue"/>
+              </a:defRPr>
+            </a:lvl8pPr>
+            <a:lvl9pPr marL="5486400" marR="0" indent="-609600" algn="l" defTabSz="2438337" latinLnBrk="0">
+              <a:lnSpc>
+                <a:spcPct val="90000"/>
+              </a:lnSpc>
+              <a:spcBef>
+                <a:spcPts val="4500"/>
+              </a:spcBef>
+              <a:spcAft>
+                <a:spcPts val="0"/>
+              </a:spcAft>
+              <a:buClrTx/>
+              <a:buSzPct val="123000"/>
+              <a:buFontTx/>
+              <a:buChar char="•"/>
+              <a:tabLst/>
+              <a:defRPr sz="4800" b="0" i="0" u="none" strike="noStrike" cap="none" spc="0" baseline="0">
+                <a:solidFill>
+                  <a:srgbClr val="000000"/>
+                </a:solidFill>
+                <a:uFillTx/>
+                <a:latin typeface="+mj-lt"/>
+                <a:ea typeface="+mj-ea"/>
+                <a:cs typeface="+mj-cs"/>
+                <a:sym typeface="Helvetica Neue"/>
+              </a:defRPr>
+            </a:lvl9pPr>
+          </a:lstStyle>
+          <a:p>
+            <a:pPr hangingPunct="1"/>
+            <a:r>
+              <a:rPr lang="en-TW" dirty="0"/>
+              <a:t>Please Install </a:t>
+            </a:r>
+            <a:r>
+              <a:rPr lang="en-US" b="1" dirty="0">
+                <a:solidFill>
+                  <a:srgbClr val="FF0000"/>
+                </a:solidFill>
+              </a:rPr>
+              <a:t>Linux version of </a:t>
+            </a:r>
+            <a:r>
+              <a:rPr lang="en-US" b="1" dirty="0" err="1">
+                <a:solidFill>
+                  <a:srgbClr val="FF0000"/>
+                </a:solidFill>
+              </a:rPr>
+              <a:t>miniconda</a:t>
+            </a:r>
+            <a:r>
+              <a:rPr lang="en-US" b="1" dirty="0">
+                <a:solidFill>
+                  <a:srgbClr val="FF0000"/>
+                </a:solidFill>
+              </a:rPr>
+              <a:t> </a:t>
+            </a:r>
+            <a:r>
+              <a:rPr lang="en-US" dirty="0"/>
+              <a:t>on </a:t>
+            </a:r>
+            <a:r>
+              <a:rPr lang="en-US" b="1" dirty="0">
+                <a:solidFill>
+                  <a:srgbClr val="FF0000"/>
+                </a:solidFill>
+              </a:rPr>
+              <a:t>WSL</a:t>
+            </a:r>
+            <a:r>
+              <a:rPr lang="en-US" b="1" dirty="0"/>
+              <a:t>, </a:t>
+            </a:r>
+            <a:r>
+              <a:rPr lang="en-US" dirty="0"/>
+              <a:t>because you are in a </a:t>
+            </a:r>
+            <a:r>
+              <a:rPr lang="en-US" dirty="0" err="1"/>
+              <a:t>linux</a:t>
+            </a:r>
+            <a:r>
+              <a:rPr lang="en-US" dirty="0"/>
+              <a:t> env, not windows.</a:t>
+            </a:r>
+            <a:endParaRPr lang="en-TW" dirty="0"/>
+          </a:p>
+          <a:p>
+            <a:pPr hangingPunct="1"/>
+            <a:r>
+              <a:rPr lang="en-US" dirty="0">
+                <a:hlinkClick r:id="rId3"/>
+              </a:rPr>
+              <a:t>https://learn.microsoft.com/en-us/windows/wsl/install#install-wsl-command</a:t>
+            </a:r>
+            <a:endParaRPr lang="en-US" dirty="0"/>
+          </a:p>
+          <a:p>
+            <a:pPr hangingPunct="1"/>
+            <a:r>
+              <a:rPr lang="en-US" dirty="0"/>
+              <a:t>Open WSL and type “bash </a:t>
+            </a:r>
+            <a:r>
+              <a:rPr lang="en-US" dirty="0" err="1"/>
+              <a:t>Minicode_xxx.sh</a:t>
+            </a:r>
+            <a:r>
+              <a:rPr lang="en-US" dirty="0"/>
+              <a:t>”</a:t>
+            </a:r>
+            <a:endParaRPr lang="en-TW" dirty="0"/>
           </a:p>
         </p:txBody>
       </p:sp>
@@ -7025,7 +8652,7 @@
 </p:sld>
 </file>
 
-<file path=ppt/slides/slide15.xml><?xml version="1.0" encoding="utf-8"?>
+<file path=ppt/slides/slide16.xml><?xml version="1.0" encoding="utf-8"?>
 <p:sld xmlns:a="http://schemas.openxmlformats.org/drawingml/2006/main" xmlns:r="http://schemas.openxmlformats.org/officeDocument/2006/relationships" xmlns:p="http://schemas.openxmlformats.org/presentationml/2006/main">
   <p:cSld>
     <p:spTree>
@@ -7835,7 +9462,7 @@
 </p:sld>
 </file>
 
-<file path=ppt/slides/slide16.xml><?xml version="1.0" encoding="utf-8"?>
+<file path=ppt/slides/slide17.xml><?xml version="1.0" encoding="utf-8"?>
 <p:sld xmlns:a="http://schemas.openxmlformats.org/drawingml/2006/main" xmlns:r="http://schemas.openxmlformats.org/officeDocument/2006/relationships" xmlns:p="http://schemas.openxmlformats.org/presentationml/2006/main">
   <p:cSld>
     <p:spTree>
@@ -8109,7 +9736,7 @@
 </p:sld>
 </file>
 
-<file path=ppt/slides/slide17.xml><?xml version="1.0" encoding="utf-8"?>
+<file path=ppt/slides/slide18.xml><?xml version="1.0" encoding="utf-8"?>
 <p:sld xmlns:a="http://schemas.openxmlformats.org/drawingml/2006/main" xmlns:r="http://schemas.openxmlformats.org/officeDocument/2006/relationships" xmlns:p="http://schemas.openxmlformats.org/presentationml/2006/main">
   <p:cSld>
     <p:spTree>
@@ -8453,7 +10080,7 @@
           </a:ln>
           <a:extLst>
             <a:ext uri="{C572A759-6A51-4108-AA02-DFA0A04FC94B}">
-              <ma14:wrappingTextBoxFlag xmlns:ma14="http://schemas.microsoft.com/office/mac/drawingml/2011/main" xmlns:a14="http://schemas.microsoft.com/office/drawing/2010/main" xmlns:m="http://schemas.openxmlformats.org/officeDocument/2006/math" xmlns="" val="1"/>
+              <ma14:wrappingTextBoxFlag xmlns="" xmlns:m="http://schemas.openxmlformats.org/officeDocument/2006/math" xmlns:a14="http://schemas.microsoft.com/office/drawing/2010/main" xmlns:ma14="http://schemas.microsoft.com/office/mac/drawingml/2011/main" val="1"/>
             </a:ext>
           </a:extLst>
         </p:spPr>
@@ -8538,7 +10165,7 @@
           </a:ln>
           <a:extLst>
             <a:ext uri="{C572A759-6A51-4108-AA02-DFA0A04FC94B}">
-              <ma14:wrappingTextBoxFlag xmlns:ma14="http://schemas.microsoft.com/office/mac/drawingml/2011/main" xmlns:a14="http://schemas.microsoft.com/office/drawing/2010/main" xmlns:m="http://schemas.openxmlformats.org/officeDocument/2006/math" xmlns="" val="1"/>
+              <ma14:wrappingTextBoxFlag xmlns="" xmlns:m="http://schemas.openxmlformats.org/officeDocument/2006/math" xmlns:a14="http://schemas.microsoft.com/office/drawing/2010/main" xmlns:ma14="http://schemas.microsoft.com/office/mac/drawingml/2011/main" val="1"/>
             </a:ext>
           </a:extLst>
         </p:spPr>
@@ -8583,7 +10210,7 @@
           </a:ln>
           <a:extLst>
             <a:ext uri="{C572A759-6A51-4108-AA02-DFA0A04FC94B}">
-              <ma14:wrappingTextBoxFlag xmlns:ma14="http://schemas.microsoft.com/office/mac/drawingml/2011/main" xmlns:a14="http://schemas.microsoft.com/office/drawing/2010/main" xmlns:m="http://schemas.openxmlformats.org/officeDocument/2006/math" xmlns="" val="1"/>
+              <ma14:wrappingTextBoxFlag xmlns="" xmlns:m="http://schemas.openxmlformats.org/officeDocument/2006/math" xmlns:a14="http://schemas.microsoft.com/office/drawing/2010/main" xmlns:ma14="http://schemas.microsoft.com/office/mac/drawingml/2011/main" val="1"/>
             </a:ext>
           </a:extLst>
         </p:spPr>
@@ -8686,7 +10313,7 @@
           </a:ln>
           <a:extLst>
             <a:ext uri="{C572A759-6A51-4108-AA02-DFA0A04FC94B}">
-              <ma14:wrappingTextBoxFlag xmlns:ma14="http://schemas.microsoft.com/office/mac/drawingml/2011/main" xmlns:a14="http://schemas.microsoft.com/office/drawing/2010/main" xmlns:m="http://schemas.openxmlformats.org/officeDocument/2006/math" xmlns="" val="1"/>
+              <ma14:wrappingTextBoxFlag xmlns="" xmlns:m="http://schemas.openxmlformats.org/officeDocument/2006/math" xmlns:a14="http://schemas.microsoft.com/office/drawing/2010/main" xmlns:ma14="http://schemas.microsoft.com/office/mac/drawingml/2011/main" val="1"/>
             </a:ext>
           </a:extLst>
         </p:spPr>
@@ -8740,7 +10367,7 @@
           </a:ln>
           <a:extLst>
             <a:ext uri="{C572A759-6A51-4108-AA02-DFA0A04FC94B}">
-              <ma14:wrappingTextBoxFlag xmlns:ma14="http://schemas.microsoft.com/office/mac/drawingml/2011/main" xmlns:a14="http://schemas.microsoft.com/office/drawing/2010/main" xmlns:m="http://schemas.openxmlformats.org/officeDocument/2006/math" xmlns="" val="1"/>
+              <ma14:wrappingTextBoxFlag xmlns="" xmlns:m="http://schemas.openxmlformats.org/officeDocument/2006/math" xmlns:a14="http://schemas.microsoft.com/office/drawing/2010/main" xmlns:ma14="http://schemas.microsoft.com/office/mac/drawingml/2011/main" val="1"/>
             </a:ext>
           </a:extLst>
         </p:spPr>
@@ -8830,7 +10457,7 @@
           </a:ln>
           <a:extLst>
             <a:ext uri="{C572A759-6A51-4108-AA02-DFA0A04FC94B}">
-              <ma14:wrappingTextBoxFlag xmlns:ma14="http://schemas.microsoft.com/office/mac/drawingml/2011/main" xmlns:a14="http://schemas.microsoft.com/office/drawing/2010/main" xmlns:m="http://schemas.openxmlformats.org/officeDocument/2006/math" xmlns="" val="1"/>
+              <ma14:wrappingTextBoxFlag xmlns="" xmlns:m="http://schemas.openxmlformats.org/officeDocument/2006/math" xmlns:a14="http://schemas.microsoft.com/office/drawing/2010/main" xmlns:ma14="http://schemas.microsoft.com/office/mac/drawingml/2011/main" val="1"/>
             </a:ext>
           </a:extLst>
         </p:spPr>
@@ -8915,7 +10542,7 @@
           </a:ln>
           <a:extLst>
             <a:ext uri="{C572A759-6A51-4108-AA02-DFA0A04FC94B}">
-              <ma14:wrappingTextBoxFlag xmlns:ma14="http://schemas.microsoft.com/office/mac/drawingml/2011/main" xmlns:a14="http://schemas.microsoft.com/office/drawing/2010/main" xmlns:m="http://schemas.openxmlformats.org/officeDocument/2006/math" xmlns="" val="1"/>
+              <ma14:wrappingTextBoxFlag xmlns="" xmlns:m="http://schemas.openxmlformats.org/officeDocument/2006/math" xmlns:a14="http://schemas.microsoft.com/office/drawing/2010/main" xmlns:ma14="http://schemas.microsoft.com/office/mac/drawingml/2011/main" val="1"/>
             </a:ext>
           </a:extLst>
         </p:spPr>
@@ -8960,7 +10587,7 @@
           </a:ln>
           <a:extLst>
             <a:ext uri="{C572A759-6A51-4108-AA02-DFA0A04FC94B}">
-              <ma14:wrappingTextBoxFlag xmlns:ma14="http://schemas.microsoft.com/office/mac/drawingml/2011/main" xmlns:a14="http://schemas.microsoft.com/office/drawing/2010/main" xmlns:m="http://schemas.openxmlformats.org/officeDocument/2006/math" xmlns="" val="1"/>
+              <ma14:wrappingTextBoxFlag xmlns="" xmlns:m="http://schemas.openxmlformats.org/officeDocument/2006/math" xmlns:a14="http://schemas.microsoft.com/office/drawing/2010/main" xmlns:ma14="http://schemas.microsoft.com/office/mac/drawingml/2011/main" val="1"/>
             </a:ext>
           </a:extLst>
         </p:spPr>
@@ -9109,7 +10736,7 @@
           </a:prstGeom>
           <a:extLst>
             <a:ext uri="{C572A759-6A51-4108-AA02-DFA0A04FC94B}">
-              <ma14:wrappingTextBoxFlag xmlns:ma14="http://schemas.microsoft.com/office/mac/drawingml/2011/main" xmlns:a14="http://schemas.microsoft.com/office/drawing/2010/main" xmlns:m="http://schemas.openxmlformats.org/officeDocument/2006/math" xmlns="" val="1"/>
+              <ma14:wrappingTextBoxFlag xmlns="" xmlns:m="http://schemas.openxmlformats.org/officeDocument/2006/math" xmlns:a14="http://schemas.microsoft.com/office/drawing/2010/main" xmlns:ma14="http://schemas.microsoft.com/office/mac/drawingml/2011/main" val="1"/>
             </a:ext>
           </a:extLst>
         </p:spPr>
@@ -9405,7 +11032,7 @@
             <a:effectLst/>
             <a:extLst>
               <a:ext uri="{C572A759-6A51-4108-AA02-DFA0A04FC94B}">
-                <ma14:wrappingTextBoxFlag xmlns:ma14="http://schemas.microsoft.com/office/mac/drawingml/2011/main" xmlns:a14="http://schemas.microsoft.com/office/drawing/2010/main" xmlns:m="http://schemas.openxmlformats.org/officeDocument/2006/math" xmlns="" val="1"/>
+                <ma14:wrappingTextBoxFlag xmlns="" xmlns:m="http://schemas.openxmlformats.org/officeDocument/2006/math" xmlns:a14="http://schemas.microsoft.com/office/drawing/2010/main" xmlns:ma14="http://schemas.microsoft.com/office/mac/drawingml/2011/main" val="1"/>
               </a:ext>
             </a:extLst>
           </p:spPr>
@@ -9669,7 +11296,7 @@
             <a:effectLst/>
             <a:extLst>
               <a:ext uri="{C572A759-6A51-4108-AA02-DFA0A04FC94B}">
-                <ma14:wrappingTextBoxFlag xmlns:ma14="http://schemas.microsoft.com/office/mac/drawingml/2011/main" xmlns:a14="http://schemas.microsoft.com/office/drawing/2010/main" xmlns:m="http://schemas.openxmlformats.org/officeDocument/2006/math" xmlns="" val="1"/>
+                <ma14:wrappingTextBoxFlag xmlns="" xmlns:m="http://schemas.openxmlformats.org/officeDocument/2006/math" xmlns:a14="http://schemas.microsoft.com/office/drawing/2010/main" xmlns:ma14="http://schemas.microsoft.com/office/mac/drawingml/2011/main" val="1"/>
               </a:ext>
             </a:extLst>
           </p:spPr>
@@ -9941,7 +11568,7 @@
             <a:effectLst/>
             <a:extLst>
               <a:ext uri="{C572A759-6A51-4108-AA02-DFA0A04FC94B}">
-                <ma14:wrappingTextBoxFlag xmlns:ma14="http://schemas.microsoft.com/office/mac/drawingml/2011/main" xmlns:a14="http://schemas.microsoft.com/office/drawing/2010/main" xmlns:m="http://schemas.openxmlformats.org/officeDocument/2006/math" xmlns="" val="1"/>
+                <ma14:wrappingTextBoxFlag xmlns="" xmlns:m="http://schemas.openxmlformats.org/officeDocument/2006/math" xmlns:a14="http://schemas.microsoft.com/office/drawing/2010/main" xmlns:ma14="http://schemas.microsoft.com/office/mac/drawingml/2011/main" val="1"/>
               </a:ext>
             </a:extLst>
           </p:spPr>
@@ -10221,7 +11848,7 @@
             <a:effectLst/>
             <a:extLst>
               <a:ext uri="{C572A759-6A51-4108-AA02-DFA0A04FC94B}">
-                <ma14:wrappingTextBoxFlag xmlns:ma14="http://schemas.microsoft.com/office/mac/drawingml/2011/main" xmlns:a14="http://schemas.microsoft.com/office/drawing/2010/main" xmlns:m="http://schemas.openxmlformats.org/officeDocument/2006/math" xmlns="" val="1"/>
+                <ma14:wrappingTextBoxFlag xmlns="" xmlns:m="http://schemas.openxmlformats.org/officeDocument/2006/math" xmlns:a14="http://schemas.microsoft.com/office/drawing/2010/main" xmlns:ma14="http://schemas.microsoft.com/office/mac/drawingml/2011/main" val="1"/>
               </a:ext>
             </a:extLst>
           </p:spPr>
@@ -10278,7 +11905,7 @@
           </a:ln>
           <a:extLst>
             <a:ext uri="{C572A759-6A51-4108-AA02-DFA0A04FC94B}">
-              <ma14:wrappingTextBoxFlag xmlns:ma14="http://schemas.microsoft.com/office/mac/drawingml/2011/main" xmlns:a14="http://schemas.microsoft.com/office/drawing/2010/main" xmlns:m="http://schemas.openxmlformats.org/officeDocument/2006/math" xmlns="" val="1"/>
+              <ma14:wrappingTextBoxFlag xmlns="" xmlns:m="http://schemas.openxmlformats.org/officeDocument/2006/math" xmlns:a14="http://schemas.microsoft.com/office/drawing/2010/main" xmlns:ma14="http://schemas.microsoft.com/office/mac/drawingml/2011/main" val="1"/>
             </a:ext>
           </a:extLst>
         </p:spPr>
@@ -10321,7 +11948,7 @@
           </a:ln>
           <a:extLst>
             <a:ext uri="{C572A759-6A51-4108-AA02-DFA0A04FC94B}">
-              <ma14:wrappingTextBoxFlag xmlns:ma14="http://schemas.microsoft.com/office/mac/drawingml/2011/main" xmlns:a14="http://schemas.microsoft.com/office/drawing/2010/main" xmlns:m="http://schemas.openxmlformats.org/officeDocument/2006/math" xmlns="" val="1"/>
+              <ma14:wrappingTextBoxFlag xmlns="" xmlns:m="http://schemas.openxmlformats.org/officeDocument/2006/math" xmlns:a14="http://schemas.microsoft.com/office/drawing/2010/main" xmlns:ma14="http://schemas.microsoft.com/office/mac/drawingml/2011/main" val="1"/>
             </a:ext>
           </a:extLst>
         </p:spPr>
@@ -10385,7 +12012,7 @@
           </a:ln>
           <a:extLst>
             <a:ext uri="{C572A759-6A51-4108-AA02-DFA0A04FC94B}">
-              <ma14:wrappingTextBoxFlag xmlns:ma14="http://schemas.microsoft.com/office/mac/drawingml/2011/main" xmlns:a14="http://schemas.microsoft.com/office/drawing/2010/main" xmlns:m="http://schemas.openxmlformats.org/officeDocument/2006/math" xmlns="" val="1"/>
+              <ma14:wrappingTextBoxFlag xmlns="" xmlns:m="http://schemas.openxmlformats.org/officeDocument/2006/math" xmlns:a14="http://schemas.microsoft.com/office/drawing/2010/main" xmlns:ma14="http://schemas.microsoft.com/office/mac/drawingml/2011/main" val="1"/>
             </a:ext>
           </a:extLst>
         </p:spPr>
@@ -10428,7 +12055,7 @@
           </a:ln>
           <a:extLst>
             <a:ext uri="{C572A759-6A51-4108-AA02-DFA0A04FC94B}">
-              <ma14:wrappingTextBoxFlag xmlns:ma14="http://schemas.microsoft.com/office/mac/drawingml/2011/main" xmlns:a14="http://schemas.microsoft.com/office/drawing/2010/main" xmlns:m="http://schemas.openxmlformats.org/officeDocument/2006/math" xmlns="" val="1"/>
+              <ma14:wrappingTextBoxFlag xmlns="" xmlns:m="http://schemas.openxmlformats.org/officeDocument/2006/math" xmlns:a14="http://schemas.microsoft.com/office/drawing/2010/main" xmlns:ma14="http://schemas.microsoft.com/office/mac/drawingml/2011/main" val="1"/>
             </a:ext>
           </a:extLst>
         </p:spPr>
@@ -11224,13 +12851,7 @@
           <a:p>
             <a:r>
               <a:rPr lang="en-US" dirty="0"/>
-              <a:t>Directly click the download button, or open your Terminal app and type</a:t>
-            </a:r>
-          </a:p>
-          <a:p>
-            <a:r>
-              <a:rPr lang="en-US" dirty="0"/>
-              <a:t>“git clone </a:t>
+              <a:t>Open your Terminal app and type “git clone </a:t>
             </a:r>
             <a:r>
               <a:rPr lang="en-US" dirty="0">
@@ -11240,13 +12861,7 @@
             </a:r>
             <a:r>
               <a:rPr lang="en-US" dirty="0"/>
-              <a:t>”</a:t>
-            </a:r>
-          </a:p>
-          <a:p>
-            <a:r>
-              <a:rPr lang="en-US" dirty="0"/>
-              <a:t>Update this repo by typing “git pull”</a:t>
+              <a:t>”, and then will obtain the whole repo</a:t>
             </a:r>
             <a:endParaRPr lang="en-TW" dirty="0"/>
           </a:p>
@@ -11569,8 +13184,8 @@
         </p:blipFill>
         <p:spPr bwMode="auto">
           <a:xfrm>
-            <a:off x="18592800" y="7919817"/>
-            <a:ext cx="4584700" cy="4584700"/>
+            <a:off x="19738975" y="666401"/>
+            <a:ext cx="3438525" cy="3438525"/>
           </a:xfrm>
           <a:prstGeom prst="rect">
             <a:avLst/>
@@ -11587,6 +13202,163 @@
           </a:extLst>
         </p:spPr>
       </p:pic>
+      <p:pic>
+        <p:nvPicPr>
+          <p:cNvPr id="6" name="Picture 5" descr="A screenshot of a computer&#10;&#10;Description automatically generated">
+            <a:extLst>
+              <a:ext uri="{FF2B5EF4-FFF2-40B4-BE49-F238E27FC236}">
+                <a16:creationId xmlns:a16="http://schemas.microsoft.com/office/drawing/2014/main" id="{176691B3-C09D-EE49-8173-5641E482F616}"/>
+              </a:ext>
+            </a:extLst>
+          </p:cNvPr>
+          <p:cNvPicPr>
+            <a:picLocks noChangeAspect="1"/>
+          </p:cNvPicPr>
+          <p:nvPr/>
+        </p:nvPicPr>
+        <p:blipFill>
+          <a:blip r:embed="rId4">
+            <a:extLst>
+              <a:ext uri="{28A0092B-C50C-407E-A947-70E740481C1C}">
+                <a14:useLocalDpi xmlns:a14="http://schemas.microsoft.com/office/drawing/2010/main" val="0"/>
+              </a:ext>
+            </a:extLst>
+          </a:blip>
+          <a:stretch>
+            <a:fillRect/>
+          </a:stretch>
+        </p:blipFill>
+        <p:spPr>
+          <a:xfrm>
+            <a:off x="12366828" y="6858000"/>
+            <a:ext cx="11722318" cy="6714278"/>
+          </a:xfrm>
+          <a:prstGeom prst="rect">
+            <a:avLst/>
+          </a:prstGeom>
+        </p:spPr>
+      </p:pic>
+      <p:sp>
+        <p:nvSpPr>
+          <p:cNvPr id="7" name="TextBox 6">
+            <a:extLst>
+              <a:ext uri="{FF2B5EF4-FFF2-40B4-BE49-F238E27FC236}">
+                <a16:creationId xmlns:a16="http://schemas.microsoft.com/office/drawing/2014/main" id="{73A01C01-E108-024B-A516-12BAEA0CA65B}"/>
+              </a:ext>
+            </a:extLst>
+          </p:cNvPr>
+          <p:cNvSpPr txBox="1"/>
+          <p:nvPr/>
+        </p:nvSpPr>
+        <p:spPr>
+          <a:xfrm>
+            <a:off x="6286500" y="10798275"/>
+            <a:ext cx="5730673" cy="1949252"/>
+          </a:xfrm>
+          <a:prstGeom prst="rect">
+            <a:avLst/>
+          </a:prstGeom>
+          <a:ln w="76200"/>
+        </p:spPr>
+        <p:style>
+          <a:lnRef idx="2">
+            <a:schemeClr val="accent5"/>
+          </a:lnRef>
+          <a:fillRef idx="1">
+            <a:schemeClr val="lt1"/>
+          </a:fillRef>
+          <a:effectRef idx="0">
+            <a:schemeClr val="accent5"/>
+          </a:effectRef>
+          <a:fontRef idx="minor">
+            <a:schemeClr val="dk1"/>
+          </a:fontRef>
+        </p:style>
+        <p:txBody>
+          <a:bodyPr rot="0" spcFirstLastPara="1" vertOverflow="overflow" horzOverflow="overflow" vert="horz" wrap="square" lIns="50800" tIns="50800" rIns="50800" bIns="50800" numCol="1" spcCol="38100" rtlCol="0" anchor="ctr">
+            <a:spAutoFit/>
+          </a:bodyPr>
+          <a:lstStyle/>
+          <a:p>
+            <a:pPr marL="0" marR="0" indent="0" algn="ctr" defTabSz="2438337" rtl="0" fontAlgn="auto" latinLnBrk="0" hangingPunct="0">
+              <a:lnSpc>
+                <a:spcPct val="100000"/>
+              </a:lnSpc>
+              <a:spcBef>
+                <a:spcPts val="0"/>
+              </a:spcBef>
+              <a:spcAft>
+                <a:spcPts val="0"/>
+              </a:spcAft>
+              <a:buClrTx/>
+              <a:buSzTx/>
+              <a:buFontTx/>
+              <a:buNone/>
+              <a:tabLst/>
+            </a:pPr>
+            <a:r>
+              <a:rPr lang="en-TW" sz="6000" dirty="0"/>
+              <a:t>Or just click “Download ZIP”</a:t>
+            </a:r>
+            <a:endParaRPr kumimoji="0" lang="en-TW" sz="6000" b="0" i="0" u="none" strike="noStrike" cap="none" spc="0" normalizeH="0" baseline="0" dirty="0">
+              <a:ln>
+                <a:noFill/>
+              </a:ln>
+              <a:solidFill>
+                <a:srgbClr val="5E5E5E"/>
+              </a:solidFill>
+              <a:effectLst/>
+              <a:uFillTx/>
+              <a:latin typeface="+mj-lt"/>
+              <a:ea typeface="+mj-ea"/>
+              <a:cs typeface="+mj-cs"/>
+              <a:sym typeface="Helvetica Neue"/>
+            </a:endParaRPr>
+          </a:p>
+        </p:txBody>
+      </p:sp>
+      <p:cxnSp>
+        <p:nvCxnSpPr>
+          <p:cNvPr id="9" name="Straight Arrow Connector 8">
+            <a:extLst>
+              <a:ext uri="{FF2B5EF4-FFF2-40B4-BE49-F238E27FC236}">
+                <a16:creationId xmlns:a16="http://schemas.microsoft.com/office/drawing/2014/main" id="{7F76958E-09E4-B044-9C76-F3127DD939E4}"/>
+              </a:ext>
+            </a:extLst>
+          </p:cNvPr>
+          <p:cNvCxnSpPr>
+            <a:cxnSpLocks/>
+            <a:stCxn id="7" idx="3"/>
+          </p:cNvCxnSpPr>
+          <p:nvPr/>
+        </p:nvCxnSpPr>
+        <p:spPr>
+          <a:xfrm flipV="1">
+            <a:off x="12017173" y="11772900"/>
+            <a:ext cx="4613477" cy="1"/>
+          </a:xfrm>
+          <a:prstGeom prst="straightConnector1">
+            <a:avLst/>
+          </a:prstGeom>
+          <a:ln w="76200">
+            <a:tailEnd type="triangle"/>
+          </a:ln>
+        </p:spPr>
+        <p:style>
+          <a:lnRef idx="1">
+            <a:schemeClr val="accent5"/>
+          </a:lnRef>
+          <a:fillRef idx="0">
+            <a:schemeClr val="accent5"/>
+          </a:fillRef>
+          <a:effectRef idx="0">
+            <a:schemeClr val="accent5"/>
+          </a:effectRef>
+          <a:fontRef idx="minor">
+            <a:schemeClr val="tx1"/>
+          </a:fontRef>
+        </p:style>
+      </p:cxnSp>
     </p:spTree>
     <p:extLst>
       <p:ext uri="{BB962C8B-B14F-4D97-AF65-F5344CB8AC3E}">
